--- a/발표/최종보고서-2016180027야준서.pptx
+++ b/발표/최종보고서-2016180027야준서.pptx
@@ -5,7 +5,7 @@
     <p:sldMasterId id="2147483648" r:id="rId1"/>
   </p:sldMasterIdLst>
   <p:notesMasterIdLst>
-    <p:notesMasterId r:id="rId11"/>
+    <p:notesMasterId r:id="rId12"/>
   </p:notesMasterIdLst>
   <p:sldIdLst>
     <p:sldId id="259" r:id="rId2"/>
@@ -14,9 +14,10 @@
     <p:sldId id="300" r:id="rId5"/>
     <p:sldId id="302" r:id="rId6"/>
     <p:sldId id="304" r:id="rId7"/>
-    <p:sldId id="297" r:id="rId8"/>
-    <p:sldId id="305" r:id="rId9"/>
-    <p:sldId id="298" r:id="rId10"/>
+    <p:sldId id="306" r:id="rId8"/>
+    <p:sldId id="297" r:id="rId9"/>
+    <p:sldId id="305" r:id="rId10"/>
+    <p:sldId id="298" r:id="rId11"/>
   </p:sldIdLst>
   <p:sldSz cx="9144000" cy="6858000" type="screen4x3"/>
   <p:notesSz cx="6858000" cy="9144000"/>
@@ -930,6 +931,302 @@
 </p:notes>
 </file>
 
+<file path=ppt/notesSlides/notesSlide10.xml><?xml version="1.0" encoding="utf-8"?>
+<p:notes xmlns:a="http://schemas.openxmlformats.org/drawingml/2006/main" xmlns:r="http://schemas.openxmlformats.org/officeDocument/2006/relationships" xmlns:p="http://schemas.openxmlformats.org/presentationml/2006/main">
+  <p:cSld>
+    <p:spTree>
+      <p:nvGrpSpPr>
+        <p:cNvPr id="1" name=""/>
+        <p:cNvGrpSpPr/>
+        <p:nvPr/>
+      </p:nvGrpSpPr>
+      <p:grpSpPr>
+        <a:xfrm>
+          <a:off x="0" y="0"/>
+          <a:ext cx="0" cy="0"/>
+          <a:chOff x="0" y="0"/>
+          <a:chExt cx="0" cy="0"/>
+        </a:xfrm>
+      </p:grpSpPr>
+      <p:sp>
+        <p:nvSpPr>
+          <p:cNvPr id="26626" name="슬라이드 이미지 개체 틀 1">
+            <a:extLst>
+              <a:ext uri="{FF2B5EF4-FFF2-40B4-BE49-F238E27FC236}">
+                <a16:creationId xmlns:a16="http://schemas.microsoft.com/office/drawing/2014/main" id="{6C572F17-2070-4E92-BA31-302E19735BD6}"/>
+              </a:ext>
+            </a:extLst>
+          </p:cNvPr>
+          <p:cNvSpPr>
+            <a:spLocks noGrp="1" noRot="1" noChangeAspect="1" noChangeArrowheads="1" noTextEdit="1"/>
+          </p:cNvSpPr>
+          <p:nvPr>
+            <p:ph type="sldImg"/>
+          </p:nvPr>
+        </p:nvSpPr>
+        <p:spPr bwMode="auto">
+          <a:noFill/>
+          <a:ln>
+            <a:solidFill>
+              <a:srgbClr val="000000"/>
+            </a:solidFill>
+            <a:miter lim="800000"/>
+            <a:headEnd/>
+            <a:tailEnd/>
+          </a:ln>
+          <a:extLst>
+            <a:ext uri="{909E8E84-426E-40DD-AFC4-6F175D3DCCD1}">
+              <a14:hiddenFill xmlns:a14="http://schemas.microsoft.com/office/drawing/2010/main">
+                <a:solidFill>
+                  <a:srgbClr val="FFFFFF"/>
+                </a:solidFill>
+              </a14:hiddenFill>
+            </a:ext>
+          </a:extLst>
+        </p:spPr>
+      </p:sp>
+      <p:sp>
+        <p:nvSpPr>
+          <p:cNvPr id="26627" name="슬라이드 노트 개체 틀 2">
+            <a:extLst>
+              <a:ext uri="{FF2B5EF4-FFF2-40B4-BE49-F238E27FC236}">
+                <a16:creationId xmlns:a16="http://schemas.microsoft.com/office/drawing/2014/main" id="{48D81F5D-1515-4D2F-A694-58E821310029}"/>
+              </a:ext>
+            </a:extLst>
+          </p:cNvPr>
+          <p:cNvSpPr>
+            <a:spLocks noGrp="1" noChangeArrowheads="1"/>
+          </p:cNvSpPr>
+          <p:nvPr>
+            <p:ph type="body" idx="1"/>
+          </p:nvPr>
+        </p:nvSpPr>
+        <p:spPr bwMode="auto">
+          <a:noFill/>
+          <a:extLst>
+            <a:ext uri="{909E8E84-426E-40DD-AFC4-6F175D3DCCD1}">
+              <a14:hiddenFill xmlns:a14="http://schemas.microsoft.com/office/drawing/2010/main">
+                <a:solidFill>
+                  <a:srgbClr val="FFFFFF"/>
+                </a:solidFill>
+              </a14:hiddenFill>
+            </a:ext>
+            <a:ext uri="{91240B29-F687-4F45-9708-019B960494DF}">
+              <a14:hiddenLine xmlns:a14="http://schemas.microsoft.com/office/drawing/2010/main" w="9525">
+                <a:solidFill>
+                  <a:srgbClr val="000000"/>
+                </a:solidFill>
+                <a:miter lim="800000"/>
+                <a:headEnd/>
+                <a:tailEnd/>
+              </a14:hiddenLine>
+            </a:ext>
+          </a:extLst>
+        </p:spPr>
+        <p:txBody>
+          <a:bodyPr wrap="square" numCol="1" anchor="t" anchorCtr="0" compatLnSpc="1">
+            <a:prstTxWarp prst="textNoShape">
+              <a:avLst/>
+            </a:prstTxWarp>
+          </a:bodyPr>
+          <a:lstStyle/>
+          <a:p>
+            <a:pPr>
+              <a:spcBef>
+                <a:spcPct val="0"/>
+              </a:spcBef>
+            </a:pPr>
+            <a:r>
+              <a:rPr lang="en-US" altLang="ko-KR" b="1"/>
+              <a:t>http://minheeblog.tistory.com/</a:t>
+            </a:r>
+          </a:p>
+        </p:txBody>
+      </p:sp>
+      <p:sp>
+        <p:nvSpPr>
+          <p:cNvPr id="26628" name="슬라이드 번호 개체 틀 3">
+            <a:extLst>
+              <a:ext uri="{FF2B5EF4-FFF2-40B4-BE49-F238E27FC236}">
+                <a16:creationId xmlns:a16="http://schemas.microsoft.com/office/drawing/2014/main" id="{5D523EA3-8DE4-43A5-B051-76D29CE37DAF}"/>
+              </a:ext>
+            </a:extLst>
+          </p:cNvPr>
+          <p:cNvSpPr>
+            <a:spLocks noGrp="1" noChangeArrowheads="1"/>
+          </p:cNvSpPr>
+          <p:nvPr>
+            <p:ph type="sldNum" sz="quarter" idx="5"/>
+          </p:nvPr>
+        </p:nvSpPr>
+        <p:spPr bwMode="auto">
+          <a:noFill/>
+          <a:extLst>
+            <a:ext uri="{909E8E84-426E-40DD-AFC4-6F175D3DCCD1}">
+              <a14:hiddenFill xmlns:a14="http://schemas.microsoft.com/office/drawing/2010/main">
+                <a:solidFill>
+                  <a:srgbClr val="FFFFFF"/>
+                </a:solidFill>
+              </a14:hiddenFill>
+            </a:ext>
+            <a:ext uri="{91240B29-F687-4F45-9708-019B960494DF}">
+              <a14:hiddenLine xmlns:a14="http://schemas.microsoft.com/office/drawing/2010/main" w="9525">
+                <a:solidFill>
+                  <a:srgbClr val="000000"/>
+                </a:solidFill>
+                <a:miter lim="800000"/>
+                <a:headEnd/>
+                <a:tailEnd/>
+              </a14:hiddenLine>
+            </a:ext>
+          </a:extLst>
+        </p:spPr>
+        <p:txBody>
+          <a:bodyPr wrap="square" numCol="1" anchorCtr="0" compatLnSpc="1">
+            <a:prstTxWarp prst="textNoShape">
+              <a:avLst/>
+            </a:prstTxWarp>
+          </a:bodyPr>
+          <a:lstStyle>
+            <a:lvl1pPr latinLnBrk="1">
+              <a:defRPr>
+                <a:solidFill>
+                  <a:schemeClr val="tx1"/>
+                </a:solidFill>
+                <a:latin typeface="맑은 고딕" panose="020B0503020000020004" pitchFamily="50" charset="-127"/>
+                <a:ea typeface="맑은 고딕" panose="020B0503020000020004" pitchFamily="50" charset="-127"/>
+              </a:defRPr>
+            </a:lvl1pPr>
+            <a:lvl2pPr marL="742950" indent="-285750" latinLnBrk="1">
+              <a:defRPr>
+                <a:solidFill>
+                  <a:schemeClr val="tx1"/>
+                </a:solidFill>
+                <a:latin typeface="맑은 고딕" panose="020B0503020000020004" pitchFamily="50" charset="-127"/>
+                <a:ea typeface="맑은 고딕" panose="020B0503020000020004" pitchFamily="50" charset="-127"/>
+              </a:defRPr>
+            </a:lvl2pPr>
+            <a:lvl3pPr marL="1143000" indent="-228600" latinLnBrk="1">
+              <a:defRPr>
+                <a:solidFill>
+                  <a:schemeClr val="tx1"/>
+                </a:solidFill>
+                <a:latin typeface="맑은 고딕" panose="020B0503020000020004" pitchFamily="50" charset="-127"/>
+                <a:ea typeface="맑은 고딕" panose="020B0503020000020004" pitchFamily="50" charset="-127"/>
+              </a:defRPr>
+            </a:lvl3pPr>
+            <a:lvl4pPr marL="1600200" indent="-228600" latinLnBrk="1">
+              <a:defRPr>
+                <a:solidFill>
+                  <a:schemeClr val="tx1"/>
+                </a:solidFill>
+                <a:latin typeface="맑은 고딕" panose="020B0503020000020004" pitchFamily="50" charset="-127"/>
+                <a:ea typeface="맑은 고딕" panose="020B0503020000020004" pitchFamily="50" charset="-127"/>
+              </a:defRPr>
+            </a:lvl4pPr>
+            <a:lvl5pPr marL="2057400" indent="-228600" latinLnBrk="1">
+              <a:defRPr>
+                <a:solidFill>
+                  <a:schemeClr val="tx1"/>
+                </a:solidFill>
+                <a:latin typeface="맑은 고딕" panose="020B0503020000020004" pitchFamily="50" charset="-127"/>
+                <a:ea typeface="맑은 고딕" panose="020B0503020000020004" pitchFamily="50" charset="-127"/>
+              </a:defRPr>
+            </a:lvl5pPr>
+            <a:lvl6pPr marL="2514600" indent="-228600" fontAlgn="base">
+              <a:spcBef>
+                <a:spcPct val="0"/>
+              </a:spcBef>
+              <a:spcAft>
+                <a:spcPct val="0"/>
+              </a:spcAft>
+              <a:defRPr>
+                <a:solidFill>
+                  <a:schemeClr val="tx1"/>
+                </a:solidFill>
+                <a:latin typeface="맑은 고딕" panose="020B0503020000020004" pitchFamily="50" charset="-127"/>
+                <a:ea typeface="맑은 고딕" panose="020B0503020000020004" pitchFamily="50" charset="-127"/>
+              </a:defRPr>
+            </a:lvl6pPr>
+            <a:lvl7pPr marL="2971800" indent="-228600" fontAlgn="base">
+              <a:spcBef>
+                <a:spcPct val="0"/>
+              </a:spcBef>
+              <a:spcAft>
+                <a:spcPct val="0"/>
+              </a:spcAft>
+              <a:defRPr>
+                <a:solidFill>
+                  <a:schemeClr val="tx1"/>
+                </a:solidFill>
+                <a:latin typeface="맑은 고딕" panose="020B0503020000020004" pitchFamily="50" charset="-127"/>
+                <a:ea typeface="맑은 고딕" panose="020B0503020000020004" pitchFamily="50" charset="-127"/>
+              </a:defRPr>
+            </a:lvl7pPr>
+            <a:lvl8pPr marL="3429000" indent="-228600" fontAlgn="base">
+              <a:spcBef>
+                <a:spcPct val="0"/>
+              </a:spcBef>
+              <a:spcAft>
+                <a:spcPct val="0"/>
+              </a:spcAft>
+              <a:defRPr>
+                <a:solidFill>
+                  <a:schemeClr val="tx1"/>
+                </a:solidFill>
+                <a:latin typeface="맑은 고딕" panose="020B0503020000020004" pitchFamily="50" charset="-127"/>
+                <a:ea typeface="맑은 고딕" panose="020B0503020000020004" pitchFamily="50" charset="-127"/>
+              </a:defRPr>
+            </a:lvl8pPr>
+            <a:lvl9pPr marL="3886200" indent="-228600" fontAlgn="base">
+              <a:spcBef>
+                <a:spcPct val="0"/>
+              </a:spcBef>
+              <a:spcAft>
+                <a:spcPct val="0"/>
+              </a:spcAft>
+              <a:defRPr>
+                <a:solidFill>
+                  <a:schemeClr val="tx1"/>
+                </a:solidFill>
+                <a:latin typeface="맑은 고딕" panose="020B0503020000020004" pitchFamily="50" charset="-127"/>
+                <a:ea typeface="맑은 고딕" panose="020B0503020000020004" pitchFamily="50" charset="-127"/>
+              </a:defRPr>
+            </a:lvl9pPr>
+          </a:lstStyle>
+          <a:p>
+            <a:pPr fontAlgn="base">
+              <a:spcBef>
+                <a:spcPct val="0"/>
+              </a:spcBef>
+              <a:spcAft>
+                <a:spcPct val="0"/>
+              </a:spcAft>
+            </a:pPr>
+            <a:fld id="{590DBDFE-F2C6-4807-BB6C-DE06AD35D75A}" type="slidenum">
+              <a:rPr lang="ko-KR" altLang="en-US"/>
+              <a:pPr fontAlgn="base">
+                <a:spcBef>
+                  <a:spcPct val="0"/>
+                </a:spcBef>
+                <a:spcAft>
+                  <a:spcPct val="0"/>
+                </a:spcAft>
+              </a:pPr>
+              <a:t>10</a:t>
+            </a:fld>
+            <a:endParaRPr lang="ko-KR" altLang="en-US"/>
+          </a:p>
+        </p:txBody>
+      </p:sp>
+    </p:spTree>
+  </p:cSld>
+  <p:clrMapOvr>
+    <a:masterClrMapping/>
+  </p:clrMapOvr>
+</p:notes>
+</file>
+
 <file path=ppt/notesSlides/notesSlide2.xml><?xml version="1.0" encoding="utf-8"?>
 <p:notes xmlns:a="http://schemas.openxmlformats.org/drawingml/2006/main" xmlns:r="http://schemas.openxmlformats.org/officeDocument/2006/relationships" xmlns:p="http://schemas.openxmlformats.org/presentationml/2006/main">
   <p:cSld>
@@ -2719,6 +3016,11 @@
         </p:txBody>
       </p:sp>
     </p:spTree>
+    <p:extLst>
+      <p:ext uri="{BB962C8B-B14F-4D97-AF65-F5344CB8AC3E}">
+        <p14:creationId xmlns:p14="http://schemas.microsoft.com/office/powerpoint/2010/main" val="2451417971"/>
+      </p:ext>
+    </p:extLst>
   </p:cSld>
   <p:clrMapOvr>
     <a:masterClrMapping/>
@@ -3015,11 +3317,6 @@
         </p:txBody>
       </p:sp>
     </p:spTree>
-    <p:extLst>
-      <p:ext uri="{BB962C8B-B14F-4D97-AF65-F5344CB8AC3E}">
-        <p14:creationId xmlns:p14="http://schemas.microsoft.com/office/powerpoint/2010/main" val="2267175605"/>
-      </p:ext>
-    </p:extLst>
   </p:cSld>
   <p:clrMapOvr>
     <a:masterClrMapping/>
@@ -3046,10 +3343,10 @@
       </p:grpSpPr>
       <p:sp>
         <p:nvSpPr>
-          <p:cNvPr id="26626" name="슬라이드 이미지 개체 틀 1">
+          <p:cNvPr id="12290" name="슬라이드 이미지 개체 틀 1">
             <a:extLst>
               <a:ext uri="{FF2B5EF4-FFF2-40B4-BE49-F238E27FC236}">
-                <a16:creationId xmlns:a16="http://schemas.microsoft.com/office/drawing/2014/main" id="{6C572F17-2070-4E92-BA31-302E19735BD6}"/>
+                <a16:creationId xmlns:a16="http://schemas.microsoft.com/office/drawing/2014/main" id="{F4320975-7E13-4ADE-95BB-73FE545A6BB8}"/>
               </a:ext>
             </a:extLst>
           </p:cNvPr>
@@ -3083,10 +3380,10 @@
       </p:sp>
       <p:sp>
         <p:nvSpPr>
-          <p:cNvPr id="26627" name="슬라이드 노트 개체 틀 2">
+          <p:cNvPr id="12291" name="슬라이드 노트 개체 틀 2">
             <a:extLst>
               <a:ext uri="{FF2B5EF4-FFF2-40B4-BE49-F238E27FC236}">
-                <a16:creationId xmlns:a16="http://schemas.microsoft.com/office/drawing/2014/main" id="{48D81F5D-1515-4D2F-A694-58E821310029}"/>
+                <a16:creationId xmlns:a16="http://schemas.microsoft.com/office/drawing/2014/main" id="{A59EF33B-ACD9-4731-BB18-162ABFC5D9CC}"/>
               </a:ext>
             </a:extLst>
           </p:cNvPr>
@@ -3141,10 +3438,10 @@
       </p:sp>
       <p:sp>
         <p:nvSpPr>
-          <p:cNvPr id="26628" name="슬라이드 번호 개체 틀 3">
+          <p:cNvPr id="12292" name="슬라이드 번호 개체 틀 3">
             <a:extLst>
               <a:ext uri="{FF2B5EF4-FFF2-40B4-BE49-F238E27FC236}">
-                <a16:creationId xmlns:a16="http://schemas.microsoft.com/office/drawing/2014/main" id="{5D523EA3-8DE4-43A5-B051-76D29CE37DAF}"/>
+                <a16:creationId xmlns:a16="http://schemas.microsoft.com/office/drawing/2014/main" id="{423CFF32-5A72-4B31-ABD0-C487DC98DFC2}"/>
               </a:ext>
             </a:extLst>
           </p:cNvPr>
@@ -3299,7 +3596,7 @@
                 <a:spcPct val="0"/>
               </a:spcAft>
             </a:pPr>
-            <a:fld id="{590DBDFE-F2C6-4807-BB6C-DE06AD35D75A}" type="slidenum">
+            <a:fld id="{F1D6CCC4-F1EF-4EC3-B9D3-28CFA0F9F48D}" type="slidenum">
               <a:rPr lang="ko-KR" altLang="en-US"/>
               <a:pPr fontAlgn="base">
                 <a:spcBef>
@@ -3316,6 +3613,11 @@
         </p:txBody>
       </p:sp>
     </p:spTree>
+    <p:extLst>
+      <p:ext uri="{BB962C8B-B14F-4D97-AF65-F5344CB8AC3E}">
+        <p14:creationId xmlns:p14="http://schemas.microsoft.com/office/powerpoint/2010/main" val="2267175605"/>
+      </p:ext>
+    </p:extLst>
   </p:cSld>
   <p:clrMapOvr>
     <a:masterClrMapping/>
@@ -7812,7 +8114,7 @@
                 <a:latin typeface="+mn-lt"/>
                 <a:ea typeface="+mn-ea"/>
               </a:rPr>
-              <a:t>전국 약국 병원 정보</a:t>
+              <a:t>전국 병원 정보</a:t>
             </a:r>
           </a:p>
         </p:txBody>
@@ -8071,6 +8373,784 @@
 </p:sld>
 </file>
 
+<file path=ppt/slides/slide10.xml><?xml version="1.0" encoding="utf-8"?>
+<p:sld xmlns:a="http://schemas.openxmlformats.org/drawingml/2006/main" xmlns:r="http://schemas.openxmlformats.org/officeDocument/2006/relationships" xmlns:p="http://schemas.openxmlformats.org/presentationml/2006/main">
+  <p:cSld>
+    <p:spTree>
+      <p:nvGrpSpPr>
+        <p:cNvPr id="1" name=""/>
+        <p:cNvGrpSpPr/>
+        <p:nvPr/>
+      </p:nvGrpSpPr>
+      <p:grpSpPr>
+        <a:xfrm>
+          <a:off x="0" y="0"/>
+          <a:ext cx="0" cy="0"/>
+          <a:chOff x="0" y="0"/>
+          <a:chExt cx="0" cy="0"/>
+        </a:xfrm>
+      </p:grpSpPr>
+      <p:sp>
+        <p:nvSpPr>
+          <p:cNvPr id="4" name="TextBox 3">
+            <a:extLst>
+              <a:ext uri="{FF2B5EF4-FFF2-40B4-BE49-F238E27FC236}">
+                <a16:creationId xmlns:a16="http://schemas.microsoft.com/office/drawing/2014/main" id="{AE8ACC04-31C9-4E71-BBC1-7F8E0673596C}"/>
+              </a:ext>
+            </a:extLst>
+          </p:cNvPr>
+          <p:cNvSpPr txBox="1"/>
+          <p:nvPr/>
+        </p:nvSpPr>
+        <p:spPr>
+          <a:xfrm>
+            <a:off x="1547813" y="1989138"/>
+            <a:ext cx="6192837" cy="830262"/>
+          </a:xfrm>
+          <a:prstGeom prst="rect">
+            <a:avLst/>
+          </a:prstGeom>
+          <a:noFill/>
+        </p:spPr>
+        <p:txBody>
+          <a:bodyPr>
+            <a:spAutoFit/>
+          </a:bodyPr>
+          <a:lstStyle/>
+          <a:p>
+            <a:pPr algn="ctr" eaLnBrk="1" fontAlgn="auto" latinLnBrk="1" hangingPunct="1">
+              <a:spcBef>
+                <a:spcPts val="0"/>
+              </a:spcBef>
+              <a:spcAft>
+                <a:spcPts val="0"/>
+              </a:spcAft>
+              <a:defRPr/>
+            </a:pPr>
+            <a:r>
+              <a:rPr lang="ko-KR" altLang="en-US" sz="4800" b="1" spc="-150" dirty="0">
+                <a:solidFill>
+                  <a:schemeClr val="bg1"/>
+                </a:solidFill>
+                <a:latin typeface="+mn-lt"/>
+                <a:ea typeface="+mn-ea"/>
+              </a:rPr>
+              <a:t>감사합니다</a:t>
+            </a:r>
+            <a:endParaRPr lang="en-US" altLang="ko-KR" sz="4800" b="1" spc="-150" dirty="0">
+              <a:solidFill>
+                <a:schemeClr val="bg1"/>
+              </a:solidFill>
+              <a:latin typeface="+mn-lt"/>
+              <a:ea typeface="+mn-ea"/>
+            </a:endParaRPr>
+          </a:p>
+        </p:txBody>
+      </p:sp>
+      <p:sp>
+        <p:nvSpPr>
+          <p:cNvPr id="25603" name="TextBox 7">
+            <a:extLst>
+              <a:ext uri="{FF2B5EF4-FFF2-40B4-BE49-F238E27FC236}">
+                <a16:creationId xmlns:a16="http://schemas.microsoft.com/office/drawing/2014/main" id="{E98757D1-3E45-4B3F-92BF-052777A6C79D}"/>
+              </a:ext>
+            </a:extLst>
+          </p:cNvPr>
+          <p:cNvSpPr txBox="1">
+            <a:spLocks noChangeArrowheads="1"/>
+          </p:cNvSpPr>
+          <p:nvPr/>
+        </p:nvSpPr>
+        <p:spPr bwMode="auto">
+          <a:xfrm>
+            <a:off x="2124075" y="4652963"/>
+            <a:ext cx="5040313" cy="646331"/>
+          </a:xfrm>
+          <a:prstGeom prst="rect">
+            <a:avLst/>
+          </a:prstGeom>
+          <a:noFill/>
+          <a:ln>
+            <a:noFill/>
+          </a:ln>
+          <a:extLst>
+            <a:ext uri="{909E8E84-426E-40DD-AFC4-6F175D3DCCD1}">
+              <a14:hiddenFill xmlns:a14="http://schemas.microsoft.com/office/drawing/2010/main">
+                <a:solidFill>
+                  <a:srgbClr val="FFFFFF"/>
+                </a:solidFill>
+              </a14:hiddenFill>
+            </a:ext>
+            <a:ext uri="{91240B29-F687-4F45-9708-019B960494DF}">
+              <a14:hiddenLine xmlns:a14="http://schemas.microsoft.com/office/drawing/2010/main" w="9525">
+                <a:solidFill>
+                  <a:srgbClr val="000000"/>
+                </a:solidFill>
+                <a:miter lim="800000"/>
+                <a:headEnd/>
+                <a:tailEnd/>
+              </a14:hiddenLine>
+            </a:ext>
+          </a:extLst>
+        </p:spPr>
+        <p:txBody>
+          <a:bodyPr>
+            <a:spAutoFit/>
+          </a:bodyPr>
+          <a:lstStyle>
+            <a:lvl1pPr latinLnBrk="1">
+              <a:defRPr>
+                <a:solidFill>
+                  <a:schemeClr val="tx1"/>
+                </a:solidFill>
+                <a:latin typeface="맑은 고딕" panose="020B0503020000020004" pitchFamily="50" charset="-127"/>
+                <a:ea typeface="맑은 고딕" panose="020B0503020000020004" pitchFamily="50" charset="-127"/>
+              </a:defRPr>
+            </a:lvl1pPr>
+            <a:lvl2pPr marL="742950" indent="-285750" latinLnBrk="1">
+              <a:defRPr>
+                <a:solidFill>
+                  <a:schemeClr val="tx1"/>
+                </a:solidFill>
+                <a:latin typeface="맑은 고딕" panose="020B0503020000020004" pitchFamily="50" charset="-127"/>
+                <a:ea typeface="맑은 고딕" panose="020B0503020000020004" pitchFamily="50" charset="-127"/>
+              </a:defRPr>
+            </a:lvl2pPr>
+            <a:lvl3pPr marL="1143000" indent="-228600" latinLnBrk="1">
+              <a:defRPr>
+                <a:solidFill>
+                  <a:schemeClr val="tx1"/>
+                </a:solidFill>
+                <a:latin typeface="맑은 고딕" panose="020B0503020000020004" pitchFamily="50" charset="-127"/>
+                <a:ea typeface="맑은 고딕" panose="020B0503020000020004" pitchFamily="50" charset="-127"/>
+              </a:defRPr>
+            </a:lvl3pPr>
+            <a:lvl4pPr marL="1600200" indent="-228600" latinLnBrk="1">
+              <a:defRPr>
+                <a:solidFill>
+                  <a:schemeClr val="tx1"/>
+                </a:solidFill>
+                <a:latin typeface="맑은 고딕" panose="020B0503020000020004" pitchFamily="50" charset="-127"/>
+                <a:ea typeface="맑은 고딕" panose="020B0503020000020004" pitchFamily="50" charset="-127"/>
+              </a:defRPr>
+            </a:lvl4pPr>
+            <a:lvl5pPr marL="2057400" indent="-228600" latinLnBrk="1">
+              <a:defRPr>
+                <a:solidFill>
+                  <a:schemeClr val="tx1"/>
+                </a:solidFill>
+                <a:latin typeface="맑은 고딕" panose="020B0503020000020004" pitchFamily="50" charset="-127"/>
+                <a:ea typeface="맑은 고딕" panose="020B0503020000020004" pitchFamily="50" charset="-127"/>
+              </a:defRPr>
+            </a:lvl5pPr>
+            <a:lvl6pPr marL="2514600" indent="-228600" fontAlgn="base">
+              <a:spcBef>
+                <a:spcPct val="0"/>
+              </a:spcBef>
+              <a:spcAft>
+                <a:spcPct val="0"/>
+              </a:spcAft>
+              <a:defRPr>
+                <a:solidFill>
+                  <a:schemeClr val="tx1"/>
+                </a:solidFill>
+                <a:latin typeface="맑은 고딕" panose="020B0503020000020004" pitchFamily="50" charset="-127"/>
+                <a:ea typeface="맑은 고딕" panose="020B0503020000020004" pitchFamily="50" charset="-127"/>
+              </a:defRPr>
+            </a:lvl6pPr>
+            <a:lvl7pPr marL="2971800" indent="-228600" fontAlgn="base">
+              <a:spcBef>
+                <a:spcPct val="0"/>
+              </a:spcBef>
+              <a:spcAft>
+                <a:spcPct val="0"/>
+              </a:spcAft>
+              <a:defRPr>
+                <a:solidFill>
+                  <a:schemeClr val="tx1"/>
+                </a:solidFill>
+                <a:latin typeface="맑은 고딕" panose="020B0503020000020004" pitchFamily="50" charset="-127"/>
+                <a:ea typeface="맑은 고딕" panose="020B0503020000020004" pitchFamily="50" charset="-127"/>
+              </a:defRPr>
+            </a:lvl7pPr>
+            <a:lvl8pPr marL="3429000" indent="-228600" fontAlgn="base">
+              <a:spcBef>
+                <a:spcPct val="0"/>
+              </a:spcBef>
+              <a:spcAft>
+                <a:spcPct val="0"/>
+              </a:spcAft>
+              <a:defRPr>
+                <a:solidFill>
+                  <a:schemeClr val="tx1"/>
+                </a:solidFill>
+                <a:latin typeface="맑은 고딕" panose="020B0503020000020004" pitchFamily="50" charset="-127"/>
+                <a:ea typeface="맑은 고딕" panose="020B0503020000020004" pitchFamily="50" charset="-127"/>
+              </a:defRPr>
+            </a:lvl8pPr>
+            <a:lvl9pPr marL="3886200" indent="-228600" fontAlgn="base">
+              <a:spcBef>
+                <a:spcPct val="0"/>
+              </a:spcBef>
+              <a:spcAft>
+                <a:spcPct val="0"/>
+              </a:spcAft>
+              <a:defRPr>
+                <a:solidFill>
+                  <a:schemeClr val="tx1"/>
+                </a:solidFill>
+                <a:latin typeface="맑은 고딕" panose="020B0503020000020004" pitchFamily="50" charset="-127"/>
+                <a:ea typeface="맑은 고딕" panose="020B0503020000020004" pitchFamily="50" charset="-127"/>
+              </a:defRPr>
+            </a:lvl9pPr>
+          </a:lstStyle>
+          <a:p>
+            <a:pPr algn="ctr" eaLnBrk="1" hangingPunct="1"/>
+            <a:endParaRPr lang="en-US" altLang="ko-KR" b="1" dirty="0"/>
+          </a:p>
+          <a:p>
+            <a:pPr algn="ctr" eaLnBrk="1" hangingPunct="1"/>
+            <a:r>
+              <a:rPr lang="ko-KR" altLang="en-US" b="1" dirty="0">
+                <a:solidFill>
+                  <a:schemeClr val="bg1"/>
+                </a:solidFill>
+              </a:rPr>
+              <a:t>게임공학과 </a:t>
+            </a:r>
+            <a:r>
+              <a:rPr lang="en-US" altLang="ko-KR" b="1" dirty="0">
+                <a:solidFill>
+                  <a:schemeClr val="bg1"/>
+                </a:solidFill>
+              </a:rPr>
+              <a:t>2016180027 </a:t>
+            </a:r>
+            <a:r>
+              <a:rPr lang="ko-KR" altLang="en-US" b="1" dirty="0" err="1">
+                <a:solidFill>
+                  <a:schemeClr val="bg1"/>
+                </a:solidFill>
+              </a:rPr>
+              <a:t>야준서</a:t>
+            </a:r>
+            <a:endParaRPr lang="ko-KR" altLang="en-US" b="1" dirty="0">
+              <a:solidFill>
+                <a:schemeClr val="bg1"/>
+              </a:solidFill>
+            </a:endParaRPr>
+          </a:p>
+        </p:txBody>
+      </p:sp>
+      <p:sp>
+        <p:nvSpPr>
+          <p:cNvPr id="74" name="순서도: 논리합 73">
+            <a:extLst>
+              <a:ext uri="{FF2B5EF4-FFF2-40B4-BE49-F238E27FC236}">
+                <a16:creationId xmlns:a16="http://schemas.microsoft.com/office/drawing/2014/main" id="{C4F6DFD4-5717-42D2-A2FC-89A1DD775CE4}"/>
+              </a:ext>
+            </a:extLst>
+          </p:cNvPr>
+          <p:cNvSpPr/>
+          <p:nvPr/>
+        </p:nvSpPr>
+        <p:spPr>
+          <a:xfrm>
+            <a:off x="179388" y="2590800"/>
+            <a:ext cx="215900" cy="215900"/>
+          </a:xfrm>
+          <a:prstGeom prst="flowChartOr">
+            <a:avLst/>
+          </a:prstGeom>
+          <a:solidFill>
+            <a:schemeClr val="bg1">
+              <a:alpha val="50000"/>
+            </a:schemeClr>
+          </a:solidFill>
+          <a:ln>
+            <a:solidFill>
+              <a:schemeClr val="tx2"/>
+            </a:solidFill>
+          </a:ln>
+        </p:spPr>
+        <p:style>
+          <a:lnRef idx="2">
+            <a:schemeClr val="accent1">
+              <a:shade val="50000"/>
+            </a:schemeClr>
+          </a:lnRef>
+          <a:fillRef idx="1">
+            <a:schemeClr val="accent1"/>
+          </a:fillRef>
+          <a:effectRef idx="0">
+            <a:schemeClr val="accent1"/>
+          </a:effectRef>
+          <a:fontRef idx="minor">
+            <a:schemeClr val="lt1"/>
+          </a:fontRef>
+        </p:style>
+        <p:txBody>
+          <a:bodyPr anchor="ctr"/>
+          <a:lstStyle/>
+          <a:p>
+            <a:pPr algn="ctr" eaLnBrk="1" fontAlgn="auto" latinLnBrk="1" hangingPunct="1">
+              <a:spcBef>
+                <a:spcPts val="0"/>
+              </a:spcBef>
+              <a:spcAft>
+                <a:spcPts val="0"/>
+              </a:spcAft>
+              <a:defRPr/>
+            </a:pPr>
+            <a:endParaRPr lang="ko-KR" altLang="en-US"/>
+          </a:p>
+        </p:txBody>
+      </p:sp>
+      <p:sp>
+        <p:nvSpPr>
+          <p:cNvPr id="75" name="순서도: 논리합 74">
+            <a:extLst>
+              <a:ext uri="{FF2B5EF4-FFF2-40B4-BE49-F238E27FC236}">
+                <a16:creationId xmlns:a16="http://schemas.microsoft.com/office/drawing/2014/main" id="{D1118996-E87E-4C1E-B796-5CDCCB38F291}"/>
+              </a:ext>
+            </a:extLst>
+          </p:cNvPr>
+          <p:cNvSpPr/>
+          <p:nvPr/>
+        </p:nvSpPr>
+        <p:spPr>
+          <a:xfrm>
+            <a:off x="8748713" y="2605088"/>
+            <a:ext cx="215900" cy="215900"/>
+          </a:xfrm>
+          <a:prstGeom prst="flowChartOr">
+            <a:avLst/>
+          </a:prstGeom>
+          <a:solidFill>
+            <a:schemeClr val="bg1">
+              <a:alpha val="50000"/>
+            </a:schemeClr>
+          </a:solidFill>
+          <a:ln>
+            <a:solidFill>
+              <a:schemeClr val="tx2"/>
+            </a:solidFill>
+          </a:ln>
+        </p:spPr>
+        <p:style>
+          <a:lnRef idx="2">
+            <a:schemeClr val="accent1">
+              <a:shade val="50000"/>
+            </a:schemeClr>
+          </a:lnRef>
+          <a:fillRef idx="1">
+            <a:schemeClr val="accent1"/>
+          </a:fillRef>
+          <a:effectRef idx="0">
+            <a:schemeClr val="accent1"/>
+          </a:effectRef>
+          <a:fontRef idx="minor">
+            <a:schemeClr val="lt1"/>
+          </a:fontRef>
+        </p:style>
+        <p:txBody>
+          <a:bodyPr anchor="ctr"/>
+          <a:lstStyle/>
+          <a:p>
+            <a:pPr algn="ctr" eaLnBrk="1" fontAlgn="auto" latinLnBrk="1" hangingPunct="1">
+              <a:spcBef>
+                <a:spcPts val="0"/>
+              </a:spcBef>
+              <a:spcAft>
+                <a:spcPts val="0"/>
+              </a:spcAft>
+              <a:defRPr/>
+            </a:pPr>
+            <a:endParaRPr lang="ko-KR" altLang="en-US"/>
+          </a:p>
+        </p:txBody>
+      </p:sp>
+      <p:cxnSp>
+        <p:nvCxnSpPr>
+          <p:cNvPr id="81" name="직선 연결선 80">
+            <a:extLst>
+              <a:ext uri="{FF2B5EF4-FFF2-40B4-BE49-F238E27FC236}">
+                <a16:creationId xmlns:a16="http://schemas.microsoft.com/office/drawing/2014/main" id="{A32563E2-1023-4F6A-90E2-EFA2F38CF91E}"/>
+              </a:ext>
+            </a:extLst>
+          </p:cNvPr>
+          <p:cNvCxnSpPr>
+            <a:stCxn id="74" idx="6"/>
+          </p:cNvCxnSpPr>
+          <p:nvPr/>
+        </p:nvCxnSpPr>
+        <p:spPr>
+          <a:xfrm>
+            <a:off x="395288" y="2698750"/>
+            <a:ext cx="2447925" cy="9525"/>
+          </a:xfrm>
+          <a:prstGeom prst="line">
+            <a:avLst/>
+          </a:prstGeom>
+          <a:ln>
+            <a:solidFill>
+              <a:schemeClr val="bg1"/>
+            </a:solidFill>
+            <a:prstDash val="sysDash"/>
+          </a:ln>
+        </p:spPr>
+        <p:style>
+          <a:lnRef idx="1">
+            <a:schemeClr val="accent1"/>
+          </a:lnRef>
+          <a:fillRef idx="0">
+            <a:schemeClr val="accent1"/>
+          </a:fillRef>
+          <a:effectRef idx="0">
+            <a:schemeClr val="accent1"/>
+          </a:effectRef>
+          <a:fontRef idx="minor">
+            <a:schemeClr val="tx1"/>
+          </a:fontRef>
+        </p:style>
+      </p:cxnSp>
+      <p:cxnSp>
+        <p:nvCxnSpPr>
+          <p:cNvPr id="82" name="직선 연결선 81">
+            <a:extLst>
+              <a:ext uri="{FF2B5EF4-FFF2-40B4-BE49-F238E27FC236}">
+                <a16:creationId xmlns:a16="http://schemas.microsoft.com/office/drawing/2014/main" id="{ED4B522D-38B1-47A8-8723-CD44120DC667}"/>
+              </a:ext>
+            </a:extLst>
+          </p:cNvPr>
+          <p:cNvCxnSpPr/>
+          <p:nvPr/>
+        </p:nvCxnSpPr>
+        <p:spPr>
+          <a:xfrm>
+            <a:off x="6443663" y="2709863"/>
+            <a:ext cx="2314575" cy="9525"/>
+          </a:xfrm>
+          <a:prstGeom prst="line">
+            <a:avLst/>
+          </a:prstGeom>
+          <a:ln>
+            <a:solidFill>
+              <a:schemeClr val="bg1"/>
+            </a:solidFill>
+            <a:prstDash val="sysDash"/>
+          </a:ln>
+        </p:spPr>
+        <p:style>
+          <a:lnRef idx="1">
+            <a:schemeClr val="accent1"/>
+          </a:lnRef>
+          <a:fillRef idx="0">
+            <a:schemeClr val="accent1"/>
+          </a:fillRef>
+          <a:effectRef idx="0">
+            <a:schemeClr val="accent1"/>
+          </a:effectRef>
+          <a:fontRef idx="minor">
+            <a:schemeClr val="tx1"/>
+          </a:fontRef>
+        </p:style>
+      </p:cxnSp>
+      <p:grpSp>
+        <p:nvGrpSpPr>
+          <p:cNvPr id="25608" name="그룹 89">
+            <a:extLst>
+              <a:ext uri="{FF2B5EF4-FFF2-40B4-BE49-F238E27FC236}">
+                <a16:creationId xmlns:a16="http://schemas.microsoft.com/office/drawing/2014/main" id="{2F75EADC-BB8D-4DCF-81F0-4E73559A402D}"/>
+              </a:ext>
+            </a:extLst>
+          </p:cNvPr>
+          <p:cNvGrpSpPr>
+            <a:grpSpLocks/>
+          </p:cNvGrpSpPr>
+          <p:nvPr/>
+        </p:nvGrpSpPr>
+        <p:grpSpPr bwMode="auto">
+          <a:xfrm>
+            <a:off x="2700338" y="2852738"/>
+            <a:ext cx="3743325" cy="431800"/>
+            <a:chOff x="2699792" y="2852936"/>
+            <a:chExt cx="3744416" cy="504056"/>
+          </a:xfrm>
+        </p:grpSpPr>
+        <p:grpSp>
+          <p:nvGrpSpPr>
+            <p:cNvPr id="25610" name="그룹 85">
+              <a:extLst>
+                <a:ext uri="{FF2B5EF4-FFF2-40B4-BE49-F238E27FC236}">
+                  <a16:creationId xmlns:a16="http://schemas.microsoft.com/office/drawing/2014/main" id="{DD3D93FA-B120-4A7A-9C35-FFE115DE0A42}"/>
+                </a:ext>
+              </a:extLst>
+            </p:cNvPr>
+            <p:cNvGrpSpPr>
+              <a:grpSpLocks/>
+            </p:cNvGrpSpPr>
+            <p:nvPr/>
+          </p:nvGrpSpPr>
+          <p:grpSpPr bwMode="auto">
+            <a:xfrm>
+              <a:off x="2987824" y="2852936"/>
+              <a:ext cx="3456384" cy="504056"/>
+              <a:chOff x="899592" y="2060848"/>
+              <a:chExt cx="3456384" cy="504056"/>
+            </a:xfrm>
+          </p:grpSpPr>
+          <p:sp>
+            <p:nvSpPr>
+              <p:cNvPr id="87" name="직사각형 86">
+                <a:extLst>
+                  <a:ext uri="{FF2B5EF4-FFF2-40B4-BE49-F238E27FC236}">
+                    <a16:creationId xmlns:a16="http://schemas.microsoft.com/office/drawing/2014/main" id="{9C53B8B8-23D1-49D7-AD94-68C4C585747D}"/>
+                  </a:ext>
+                </a:extLst>
+              </p:cNvPr>
+              <p:cNvSpPr/>
+              <p:nvPr/>
+            </p:nvSpPr>
+            <p:spPr>
+              <a:xfrm>
+                <a:off x="898981" y="2060848"/>
+                <a:ext cx="3241032" cy="504056"/>
+              </a:xfrm>
+              <a:prstGeom prst="rect">
+                <a:avLst/>
+              </a:prstGeom>
+              <a:solidFill>
+                <a:schemeClr val="bg1"/>
+              </a:solidFill>
+              <a:ln>
+                <a:noFill/>
+              </a:ln>
+            </p:spPr>
+            <p:style>
+              <a:lnRef idx="2">
+                <a:schemeClr val="accent1">
+                  <a:shade val="50000"/>
+                </a:schemeClr>
+              </a:lnRef>
+              <a:fillRef idx="1">
+                <a:schemeClr val="accent1"/>
+              </a:fillRef>
+              <a:effectRef idx="0">
+                <a:schemeClr val="accent1"/>
+              </a:effectRef>
+              <a:fontRef idx="minor">
+                <a:schemeClr val="lt1"/>
+              </a:fontRef>
+            </p:style>
+            <p:txBody>
+              <a:bodyPr anchor="ctr"/>
+              <a:lstStyle/>
+              <a:p>
+                <a:pPr algn="ctr" eaLnBrk="1" fontAlgn="auto" latinLnBrk="1" hangingPunct="1">
+                  <a:spcBef>
+                    <a:spcPts val="0"/>
+                  </a:spcBef>
+                  <a:spcAft>
+                    <a:spcPts val="0"/>
+                  </a:spcAft>
+                  <a:defRPr/>
+                </a:pPr>
+                <a:endParaRPr lang="ko-KR" altLang="en-US" dirty="0">
+                  <a:solidFill>
+                    <a:schemeClr val="bg1"/>
+                  </a:solidFill>
+                </a:endParaRPr>
+              </a:p>
+            </p:txBody>
+          </p:sp>
+          <p:sp>
+            <p:nvSpPr>
+              <p:cNvPr id="88" name="타원 87">
+                <a:extLst>
+                  <a:ext uri="{FF2B5EF4-FFF2-40B4-BE49-F238E27FC236}">
+                    <a16:creationId xmlns:a16="http://schemas.microsoft.com/office/drawing/2014/main" id="{B49AF808-F4F8-45B9-8FEC-2F17E827CA18}"/>
+                  </a:ext>
+                </a:extLst>
+              </p:cNvPr>
+              <p:cNvSpPr/>
+              <p:nvPr/>
+            </p:nvSpPr>
+            <p:spPr>
+              <a:xfrm>
+                <a:off x="3852591" y="2060848"/>
+                <a:ext cx="503385" cy="504056"/>
+              </a:xfrm>
+              <a:prstGeom prst="ellipse">
+                <a:avLst/>
+              </a:prstGeom>
+              <a:solidFill>
+                <a:schemeClr val="bg1"/>
+              </a:solidFill>
+              <a:ln>
+                <a:noFill/>
+              </a:ln>
+            </p:spPr>
+            <p:style>
+              <a:lnRef idx="2">
+                <a:schemeClr val="accent1">
+                  <a:shade val="50000"/>
+                </a:schemeClr>
+              </a:lnRef>
+              <a:fillRef idx="1">
+                <a:schemeClr val="accent1"/>
+              </a:fillRef>
+              <a:effectRef idx="0">
+                <a:schemeClr val="accent1"/>
+              </a:effectRef>
+              <a:fontRef idx="minor">
+                <a:schemeClr val="lt1"/>
+              </a:fontRef>
+            </p:style>
+            <p:txBody>
+              <a:bodyPr anchor="ctr"/>
+              <a:lstStyle/>
+              <a:p>
+                <a:pPr algn="ctr" eaLnBrk="1" fontAlgn="auto" latinLnBrk="1" hangingPunct="1">
+                  <a:spcBef>
+                    <a:spcPts val="0"/>
+                  </a:spcBef>
+                  <a:spcAft>
+                    <a:spcPts val="0"/>
+                  </a:spcAft>
+                  <a:defRPr/>
+                </a:pPr>
+                <a:endParaRPr lang="ko-KR" altLang="en-US"/>
+              </a:p>
+            </p:txBody>
+          </p:sp>
+        </p:grpSp>
+        <p:sp>
+          <p:nvSpPr>
+            <p:cNvPr id="89" name="타원 88">
+              <a:extLst>
+                <a:ext uri="{FF2B5EF4-FFF2-40B4-BE49-F238E27FC236}">
+                  <a16:creationId xmlns:a16="http://schemas.microsoft.com/office/drawing/2014/main" id="{A7566C4D-F978-4C40-9EE2-0E6A8FD799F6}"/>
+                </a:ext>
+              </a:extLst>
+            </p:cNvPr>
+            <p:cNvSpPr/>
+            <p:nvPr/>
+          </p:nvSpPr>
+          <p:spPr>
+            <a:xfrm>
+              <a:off x="2699792" y="2852936"/>
+              <a:ext cx="503384" cy="504056"/>
+            </a:xfrm>
+            <a:prstGeom prst="ellipse">
+              <a:avLst/>
+            </a:prstGeom>
+            <a:solidFill>
+              <a:schemeClr val="bg1"/>
+            </a:solidFill>
+            <a:ln>
+              <a:noFill/>
+            </a:ln>
+          </p:spPr>
+          <p:style>
+            <a:lnRef idx="2">
+              <a:schemeClr val="accent1">
+                <a:shade val="50000"/>
+              </a:schemeClr>
+            </a:lnRef>
+            <a:fillRef idx="1">
+              <a:schemeClr val="accent1"/>
+            </a:fillRef>
+            <a:effectRef idx="0">
+              <a:schemeClr val="accent1"/>
+            </a:effectRef>
+            <a:fontRef idx="minor">
+              <a:schemeClr val="lt1"/>
+            </a:fontRef>
+          </p:style>
+          <p:txBody>
+            <a:bodyPr anchor="ctr"/>
+            <a:lstStyle/>
+            <a:p>
+              <a:pPr algn="ctr" eaLnBrk="1" fontAlgn="auto" latinLnBrk="1" hangingPunct="1">
+                <a:spcBef>
+                  <a:spcPts val="0"/>
+                </a:spcBef>
+                <a:spcAft>
+                  <a:spcPts val="0"/>
+                </a:spcAft>
+                <a:defRPr/>
+              </a:pPr>
+              <a:endParaRPr lang="ko-KR" altLang="en-US"/>
+            </a:p>
+          </p:txBody>
+        </p:sp>
+      </p:grpSp>
+      <p:sp>
+        <p:nvSpPr>
+          <p:cNvPr id="85" name="TextBox 84">
+            <a:extLst>
+              <a:ext uri="{FF2B5EF4-FFF2-40B4-BE49-F238E27FC236}">
+                <a16:creationId xmlns:a16="http://schemas.microsoft.com/office/drawing/2014/main" id="{75BFB072-23E4-4AC4-9ADB-78DB859136AD}"/>
+              </a:ext>
+            </a:extLst>
+          </p:cNvPr>
+          <p:cNvSpPr txBox="1"/>
+          <p:nvPr/>
+        </p:nvSpPr>
+        <p:spPr>
+          <a:xfrm>
+            <a:off x="2987675" y="2822575"/>
+            <a:ext cx="3168650" cy="461963"/>
+          </a:xfrm>
+          <a:prstGeom prst="rect">
+            <a:avLst/>
+          </a:prstGeom>
+          <a:noFill/>
+        </p:spPr>
+        <p:txBody>
+          <a:bodyPr>
+            <a:spAutoFit/>
+          </a:bodyPr>
+          <a:lstStyle/>
+          <a:p>
+            <a:pPr algn="ctr" eaLnBrk="1" fontAlgn="auto" latinLnBrk="1" hangingPunct="1">
+              <a:spcBef>
+                <a:spcPts val="0"/>
+              </a:spcBef>
+              <a:spcAft>
+                <a:spcPts val="0"/>
+              </a:spcAft>
+              <a:defRPr/>
+            </a:pPr>
+            <a:r>
+              <a:rPr lang="en-US" altLang="ko-KR" sz="2400" b="1" spc="-150" dirty="0">
+                <a:solidFill>
+                  <a:schemeClr val="tx2"/>
+                </a:solidFill>
+                <a:latin typeface="+mn-lt"/>
+                <a:ea typeface="+mn-ea"/>
+              </a:rPr>
+              <a:t>THANK YOU</a:t>
+            </a:r>
+            <a:endParaRPr lang="ko-KR" altLang="en-US" sz="2400" b="1" spc="-150" dirty="0">
+              <a:solidFill>
+                <a:schemeClr val="tx2"/>
+              </a:solidFill>
+              <a:latin typeface="+mn-lt"/>
+              <a:ea typeface="+mn-ea"/>
+            </a:endParaRPr>
+          </a:p>
+        </p:txBody>
+      </p:sp>
+    </p:spTree>
+  </p:cSld>
+  <p:clrMapOvr>
+    <a:masterClrMapping/>
+  </p:clrMapOvr>
+</p:sld>
+</file>
+
 <file path=ppt/slides/slide2.xml><?xml version="1.0" encoding="utf-8"?>
 <p:sld xmlns:a="http://schemas.openxmlformats.org/drawingml/2006/main" xmlns:r="http://schemas.openxmlformats.org/officeDocument/2006/relationships" xmlns:p="http://schemas.openxmlformats.org/presentationml/2006/main">
   <p:cSld>
@@ -8777,7 +9857,7 @@
         </p:nvSpPr>
         <p:spPr>
           <a:xfrm>
-            <a:off x="4033838" y="4306888"/>
+            <a:off x="4754563" y="5044281"/>
             <a:ext cx="215900" cy="215900"/>
           </a:xfrm>
           <a:prstGeom prst="flowChartOr">
@@ -8841,7 +9921,7 @@
         </p:nvSpPr>
         <p:spPr>
           <a:xfrm>
-            <a:off x="4322763" y="4306888"/>
+            <a:off x="5043488" y="5044281"/>
             <a:ext cx="3744912" cy="400050"/>
           </a:xfrm>
           <a:prstGeom prst="rect">
@@ -8872,7 +9952,7 @@
                 <a:latin typeface="+mn-lt"/>
                 <a:ea typeface="+mn-ea"/>
               </a:rPr>
-              <a:t>04    </a:t>
+              <a:t>05    </a:t>
             </a:r>
             <a:r>
               <a:rPr lang="ko-KR" altLang="en-US" sz="2000" b="1" spc="-150" dirty="0" err="1">
@@ -8892,7 +9972,7 @@
                 <a:latin typeface="+mn-lt"/>
                 <a:ea typeface="+mn-ea"/>
               </a:rPr>
-              <a:t> 계획 </a:t>
+              <a:t> 계획 및 </a:t>
             </a:r>
             <a:r>
               <a:rPr lang="ko-KR" altLang="en-US" sz="2000" b="1" spc="-150" dirty="0" err="1">
@@ -8902,15 +9982,18 @@
                 <a:latin typeface="+mn-lt"/>
                 <a:ea typeface="+mn-ea"/>
               </a:rPr>
-              <a:t>실행률</a:t>
-            </a:r>
-            <a:endParaRPr lang="ko-KR" altLang="en-US" sz="2000" b="1" spc="-150" dirty="0">
-              <a:solidFill>
-                <a:schemeClr val="bg1"/>
-              </a:solidFill>
-              <a:latin typeface="+mn-lt"/>
-              <a:ea typeface="+mn-ea"/>
-            </a:endParaRPr>
+              <a:t>커밋</a:t>
+            </a:r>
+            <a:r>
+              <a:rPr lang="ko-KR" altLang="en-US" sz="2000" b="1" spc="-150" dirty="0">
+                <a:solidFill>
+                  <a:schemeClr val="bg1"/>
+                </a:solidFill>
+                <a:latin typeface="+mn-lt"/>
+                <a:ea typeface="+mn-ea"/>
+              </a:rPr>
+              <a:t> 현황</a:t>
+            </a:r>
           </a:p>
         </p:txBody>
       </p:sp>
@@ -8928,7 +10011,7 @@
         </p:nvSpPr>
         <p:spPr>
           <a:xfrm>
-            <a:off x="4716463" y="4995863"/>
+            <a:off x="5437188" y="5733256"/>
             <a:ext cx="215900" cy="215900"/>
           </a:xfrm>
           <a:prstGeom prst="flowChartOr">
@@ -8992,7 +10075,7 @@
         </p:nvSpPr>
         <p:spPr>
           <a:xfrm>
-            <a:off x="5003800" y="4995863"/>
+            <a:off x="5724525" y="5733256"/>
             <a:ext cx="3744913" cy="400110"/>
           </a:xfrm>
           <a:prstGeom prst="rect">
@@ -9023,7 +10106,7 @@
                 <a:latin typeface="+mn-lt"/>
                 <a:ea typeface="+mn-ea"/>
               </a:rPr>
-              <a:t>05	</a:t>
+              <a:t>06	</a:t>
             </a:r>
             <a:r>
               <a:rPr lang="ko-KR" altLang="en-US" sz="2000" b="1" spc="-150" dirty="0">
@@ -9042,6 +10125,130 @@
               <a:latin typeface="+mn-lt"/>
               <a:ea typeface="+mn-ea"/>
             </a:endParaRPr>
+          </a:p>
+        </p:txBody>
+      </p:sp>
+      <p:sp>
+        <p:nvSpPr>
+          <p:cNvPr id="24" name="순서도: 논리합 23">
+            <a:extLst>
+              <a:ext uri="{FF2B5EF4-FFF2-40B4-BE49-F238E27FC236}">
+                <a16:creationId xmlns:a16="http://schemas.microsoft.com/office/drawing/2014/main" id="{80780EAD-1A32-427B-87A3-1571DAEB9206}"/>
+              </a:ext>
+            </a:extLst>
+          </p:cNvPr>
+          <p:cNvSpPr/>
+          <p:nvPr/>
+        </p:nvSpPr>
+        <p:spPr>
+          <a:xfrm>
+            <a:off x="4068639" y="4364038"/>
+            <a:ext cx="215900" cy="215900"/>
+          </a:xfrm>
+          <a:prstGeom prst="flowChartOr">
+            <a:avLst/>
+          </a:prstGeom>
+          <a:solidFill>
+            <a:schemeClr val="bg1">
+              <a:alpha val="50000"/>
+            </a:schemeClr>
+          </a:solidFill>
+          <a:ln>
+            <a:solidFill>
+              <a:schemeClr val="tx2"/>
+            </a:solidFill>
+          </a:ln>
+        </p:spPr>
+        <p:style>
+          <a:lnRef idx="2">
+            <a:schemeClr val="accent1">
+              <a:shade val="50000"/>
+            </a:schemeClr>
+          </a:lnRef>
+          <a:fillRef idx="1">
+            <a:schemeClr val="accent1"/>
+          </a:fillRef>
+          <a:effectRef idx="0">
+            <a:schemeClr val="accent1"/>
+          </a:effectRef>
+          <a:fontRef idx="minor">
+            <a:schemeClr val="lt1"/>
+          </a:fontRef>
+        </p:style>
+        <p:txBody>
+          <a:bodyPr anchor="ctr"/>
+          <a:lstStyle/>
+          <a:p>
+            <a:pPr algn="ctr" eaLnBrk="1" fontAlgn="auto" latinLnBrk="1" hangingPunct="1">
+              <a:spcBef>
+                <a:spcPts val="0"/>
+              </a:spcBef>
+              <a:spcAft>
+                <a:spcPts val="0"/>
+              </a:spcAft>
+              <a:defRPr/>
+            </a:pPr>
+            <a:endParaRPr lang="ko-KR" altLang="en-US"/>
+          </a:p>
+        </p:txBody>
+      </p:sp>
+      <p:sp>
+        <p:nvSpPr>
+          <p:cNvPr id="25" name="TextBox 24">
+            <a:extLst>
+              <a:ext uri="{FF2B5EF4-FFF2-40B4-BE49-F238E27FC236}">
+                <a16:creationId xmlns:a16="http://schemas.microsoft.com/office/drawing/2014/main" id="{09445CDB-098B-4A6D-8B57-CDE9970DDE21}"/>
+              </a:ext>
+            </a:extLst>
+          </p:cNvPr>
+          <p:cNvSpPr txBox="1"/>
+          <p:nvPr/>
+        </p:nvSpPr>
+        <p:spPr>
+          <a:xfrm>
+            <a:off x="4355976" y="4364038"/>
+            <a:ext cx="3744913" cy="400050"/>
+          </a:xfrm>
+          <a:prstGeom prst="rect">
+            <a:avLst/>
+          </a:prstGeom>
+          <a:noFill/>
+        </p:spPr>
+        <p:txBody>
+          <a:bodyPr>
+            <a:spAutoFit/>
+          </a:bodyPr>
+          <a:lstStyle/>
+          <a:p>
+            <a:pPr eaLnBrk="1" fontAlgn="auto" latinLnBrk="1" hangingPunct="1">
+              <a:spcBef>
+                <a:spcPts val="0"/>
+              </a:spcBef>
+              <a:spcAft>
+                <a:spcPts val="0"/>
+              </a:spcAft>
+              <a:defRPr/>
+            </a:pPr>
+            <a:r>
+              <a:rPr lang="en-US" altLang="ko-KR" sz="2000" b="1" spc="-150" dirty="0">
+                <a:solidFill>
+                  <a:schemeClr val="bg1"/>
+                </a:solidFill>
+                <a:latin typeface="+mn-lt"/>
+                <a:ea typeface="+mn-ea"/>
+              </a:rPr>
+              <a:t>04    </a:t>
+            </a:r>
+            <a:r>
+              <a:rPr lang="ko-KR" altLang="en-US" sz="2000" b="1" spc="-150" dirty="0">
+                <a:solidFill>
+                  <a:schemeClr val="bg1"/>
+                </a:solidFill>
+                <a:latin typeface="+mn-lt"/>
+                <a:ea typeface="+mn-ea"/>
+              </a:rPr>
+              <a:t>사용한 툴</a:t>
+            </a:r>
           </a:p>
         </p:txBody>
       </p:sp>
@@ -9551,6 +10758,94 @@
                       </p:childTnLst>
                     </p:cTn>
                   </p:par>
+                  <p:par>
+                    <p:cTn id="48" fill="hold">
+                      <p:stCondLst>
+                        <p:cond delay="indefinite"/>
+                      </p:stCondLst>
+                      <p:childTnLst>
+                        <p:par>
+                          <p:cTn id="49" fill="hold">
+                            <p:stCondLst>
+                              <p:cond delay="0"/>
+                            </p:stCondLst>
+                            <p:childTnLst>
+                              <p:par>
+                                <p:cTn id="50" presetID="12" presetClass="entr" presetSubtype="4" fill="hold" grpId="0" nodeType="clickEffect">
+                                  <p:stCondLst>
+                                    <p:cond delay="0"/>
+                                  </p:stCondLst>
+                                  <p:childTnLst>
+                                    <p:set>
+                                      <p:cBhvr>
+                                        <p:cTn id="51" dur="1" fill="hold">
+                                          <p:stCondLst>
+                                            <p:cond delay="0"/>
+                                          </p:stCondLst>
+                                        </p:cTn>
+                                        <p:tgtEl>
+                                          <p:spTgt spid="24"/>
+                                        </p:tgtEl>
+                                        <p:attrNameLst>
+                                          <p:attrName>style.visibility</p:attrName>
+                                        </p:attrNameLst>
+                                      </p:cBhvr>
+                                      <p:to>
+                                        <p:strVal val="visible"/>
+                                      </p:to>
+                                    </p:set>
+                                    <p:animEffect transition="in" filter="slide(fromBottom)">
+                                      <p:cBhvr>
+                                        <p:cTn id="52" dur="500"/>
+                                        <p:tgtEl>
+                                          <p:spTgt spid="24"/>
+                                        </p:tgtEl>
+                                      </p:cBhvr>
+                                    </p:animEffect>
+                                  </p:childTnLst>
+                                </p:cTn>
+                              </p:par>
+                              <p:par>
+                                <p:cTn id="53" presetID="12" presetClass="entr" presetSubtype="4" fill="hold" grpId="0" nodeType="withEffect">
+                                  <p:stCondLst>
+                                    <p:cond delay="0"/>
+                                  </p:stCondLst>
+                                  <p:childTnLst>
+                                    <p:set>
+                                      <p:cBhvr>
+                                        <p:cTn id="54" dur="1" fill="hold">
+                                          <p:stCondLst>
+                                            <p:cond delay="0"/>
+                                          </p:stCondLst>
+                                        </p:cTn>
+                                        <p:tgtEl>
+                                          <p:spTgt spid="25"/>
+                                        </p:tgtEl>
+                                        <p:attrNameLst>
+                                          <p:attrName>style.visibility</p:attrName>
+                                        </p:attrNameLst>
+                                      </p:cBhvr>
+                                      <p:to>
+                                        <p:strVal val="visible"/>
+                                      </p:to>
+                                    </p:set>
+                                    <p:animEffect transition="in" filter="slide(fromBottom)">
+                                      <p:cBhvr>
+                                        <p:cTn id="55" dur="500"/>
+                                        <p:tgtEl>
+                                          <p:spTgt spid="25"/>
+                                        </p:tgtEl>
+                                      </p:cBhvr>
+                                    </p:animEffect>
+                                  </p:childTnLst>
+                                </p:cTn>
+                              </p:par>
+                            </p:childTnLst>
+                          </p:cTn>
+                        </p:par>
+                      </p:childTnLst>
+                    </p:cTn>
+                  </p:par>
                 </p:childTnLst>
               </p:cTn>
               <p:prevCondLst>
@@ -9583,6 +10878,8 @@
       <p:bldP spid="21" grpId="0"/>
       <p:bldP spid="22" grpId="0" animBg="1"/>
       <p:bldP spid="23" grpId="0"/>
+      <p:bldP spid="24" grpId="0" animBg="1"/>
+      <p:bldP spid="25" grpId="0"/>
     </p:bldLst>
   </p:timing>
 </p:sld>
@@ -11420,6 +12717,36 @@
           <a:chExt cx="0" cy="0"/>
         </a:xfrm>
       </p:grpSpPr>
+      <p:pic>
+        <p:nvPicPr>
+          <p:cNvPr id="6" name="그림 5">
+            <a:extLst>
+              <a:ext uri="{FF2B5EF4-FFF2-40B4-BE49-F238E27FC236}">
+                <a16:creationId xmlns:a16="http://schemas.microsoft.com/office/drawing/2014/main" id="{B105483E-9D2E-45A8-A7AD-472BD0FEF74F}"/>
+              </a:ext>
+            </a:extLst>
+          </p:cNvPr>
+          <p:cNvPicPr>
+            <a:picLocks noChangeAspect="1"/>
+          </p:cNvPicPr>
+          <p:nvPr/>
+        </p:nvPicPr>
+        <p:blipFill>
+          <a:blip r:embed="rId3"/>
+          <a:stretch>
+            <a:fillRect/>
+          </a:stretch>
+        </p:blipFill>
+        <p:spPr>
+          <a:xfrm>
+            <a:off x="728192" y="2911920"/>
+            <a:ext cx="1692398" cy="2429072"/>
+          </a:xfrm>
+          <a:prstGeom prst="rect">
+            <a:avLst/>
+          </a:prstGeom>
+        </p:spPr>
+      </p:pic>
       <p:sp>
         <p:nvSpPr>
           <p:cNvPr id="75" name="TextBox 74">
@@ -12047,7 +13374,7 @@
           <p:nvPr/>
         </p:nvPicPr>
         <p:blipFill>
-          <a:blip r:embed="rId3"/>
+          <a:blip r:embed="rId4"/>
           <a:stretch>
             <a:fillRect/>
           </a:stretch>
@@ -12056,36 +13383,6 @@
           <a:xfrm>
             <a:off x="3021335" y="2564904"/>
             <a:ext cx="3101330" cy="3293612"/>
-          </a:xfrm>
-          <a:prstGeom prst="rect">
-            <a:avLst/>
-          </a:prstGeom>
-        </p:spPr>
-      </p:pic>
-      <p:pic>
-        <p:nvPicPr>
-          <p:cNvPr id="3" name="그림 2">
-            <a:extLst>
-              <a:ext uri="{FF2B5EF4-FFF2-40B4-BE49-F238E27FC236}">
-                <a16:creationId xmlns:a16="http://schemas.microsoft.com/office/drawing/2014/main" id="{82CD2EC6-BD07-4845-BE25-7F7D41A305E3}"/>
-              </a:ext>
-            </a:extLst>
-          </p:cNvPr>
-          <p:cNvPicPr>
-            <a:picLocks noChangeAspect="1"/>
-          </p:cNvPicPr>
-          <p:nvPr/>
-        </p:nvPicPr>
-        <p:blipFill>
-          <a:blip r:embed="rId4"/>
-          <a:stretch>
-            <a:fillRect/>
-          </a:stretch>
-        </p:blipFill>
-        <p:spPr>
-          <a:xfrm>
-            <a:off x="774870" y="2881375"/>
-            <a:ext cx="1543674" cy="2429073"/>
           </a:xfrm>
           <a:prstGeom prst="rect">
             <a:avLst/>
@@ -12286,8 +13583,8 @@
         </p:nvCxnSpPr>
         <p:spPr>
           <a:xfrm flipH="1" flipV="1">
-            <a:off x="2428540" y="5164628"/>
-            <a:ext cx="1406601" cy="1"/>
+            <a:off x="2504900" y="5164629"/>
+            <a:ext cx="1330242" cy="1"/>
           </a:xfrm>
           <a:prstGeom prst="straightConnector1">
             <a:avLst/>
@@ -12720,9 +14017,9 @@
           <p:nvPr/>
         </p:nvCxnSpPr>
         <p:spPr>
-          <a:xfrm flipH="1" flipV="1">
-            <a:off x="2318544" y="3479730"/>
-            <a:ext cx="5132716" cy="1"/>
+          <a:xfrm flipH="1">
+            <a:off x="2504900" y="3479732"/>
+            <a:ext cx="4946360" cy="7366"/>
           </a:xfrm>
           <a:prstGeom prst="straightConnector1">
             <a:avLst/>
@@ -13651,7 +14948,7 @@
         </p:blipFill>
         <p:spPr>
           <a:xfrm>
-            <a:off x="966788" y="1844824"/>
+            <a:off x="1144132" y="1844824"/>
             <a:ext cx="2557293" cy="3744416"/>
           </a:xfrm>
           <a:prstGeom prst="rect">
@@ -13673,7 +14970,7 @@
         </p:nvSpPr>
         <p:spPr>
           <a:xfrm>
-            <a:off x="4572000" y="1988840"/>
+            <a:off x="5148064" y="1988840"/>
             <a:ext cx="3096344" cy="3456384"/>
           </a:xfrm>
           <a:prstGeom prst="roundRect">
@@ -13707,7 +15004,18 @@
               <a:rPr lang="ko-KR" altLang="en-US" sz="1100" dirty="0"/>
               <a:t>원하는 질병을 선택합니다</a:t>
             </a:r>
-            <a:endParaRPr lang="en-US" altLang="ko-KR" sz="1100" dirty="0"/>
+            <a:r>
+              <a:rPr lang="en-US" altLang="ko-KR" sz="1100" dirty="0"/>
+              <a:t>(</a:t>
+            </a:r>
+            <a:r>
+              <a:rPr lang="ko-KR" altLang="en-US" sz="1100" dirty="0"/>
+              <a:t>확인</a:t>
+            </a:r>
+            <a:r>
+              <a:rPr lang="en-US" altLang="ko-KR" sz="1100" dirty="0"/>
+              <a:t>)</a:t>
+            </a:r>
           </a:p>
           <a:p>
             <a:pPr marL="228600" indent="-228600">
@@ -13717,12 +15025,27 @@
           </a:p>
           <a:p>
             <a:pPr marL="228600" indent="-228600">
+              <a:buFontTx/>
               <a:buAutoNum type="arabicPeriod"/>
             </a:pPr>
             <a:r>
               <a:rPr lang="ko-KR" altLang="en-US" sz="1100" dirty="0"/>
               <a:t>원하는 지역을 선택합니다</a:t>
             </a:r>
+            <a:r>
+              <a:rPr lang="en-US" altLang="ko-KR" sz="1100" dirty="0"/>
+              <a:t>(</a:t>
+            </a:r>
+            <a:r>
+              <a:rPr lang="ko-KR" altLang="en-US" sz="1100" dirty="0"/>
+              <a:t>확인</a:t>
+            </a:r>
+            <a:r>
+              <a:rPr lang="en-US" altLang="ko-KR" sz="1100" dirty="0"/>
+              <a:t>)</a:t>
+            </a:r>
+          </a:p>
+          <a:p>
             <a:endParaRPr lang="en-US" altLang="ko-KR" sz="1100" dirty="0"/>
           </a:p>
           <a:p>
@@ -13746,6 +15069,12 @@
             </a:r>
           </a:p>
           <a:p>
+            <a:endParaRPr lang="en-US" altLang="ko-KR" sz="1100" dirty="0"/>
+          </a:p>
+          <a:p>
+            <a:pPr marL="228600" indent="-228600">
+              <a:buAutoNum type="arabicPeriod" startAt="3"/>
+            </a:pPr>
             <a:endParaRPr lang="en-US" altLang="ko-KR" sz="1100" dirty="0"/>
           </a:p>
           <a:p>
@@ -14212,6 +15541,542 @@
               <a:defRPr/>
             </a:pPr>
             <a:r>
+              <a:rPr lang="ko-KR" altLang="en-US" sz="2000" b="1" dirty="0">
+                <a:solidFill>
+                  <a:schemeClr val="tx2"/>
+                </a:solidFill>
+                <a:latin typeface="+mn-lt"/>
+                <a:ea typeface="+mn-ea"/>
+              </a:rPr>
+              <a:t>사용한 툴</a:t>
+            </a:r>
+          </a:p>
+        </p:txBody>
+      </p:sp>
+      <p:sp>
+        <p:nvSpPr>
+          <p:cNvPr id="10" name="사각형: 둥근 모서리 9">
+            <a:extLst>
+              <a:ext uri="{FF2B5EF4-FFF2-40B4-BE49-F238E27FC236}">
+                <a16:creationId xmlns:a16="http://schemas.microsoft.com/office/drawing/2014/main" id="{58A27F7A-EB6B-481E-884B-2C9D5E66E5AF}"/>
+              </a:ext>
+            </a:extLst>
+          </p:cNvPr>
+          <p:cNvSpPr/>
+          <p:nvPr/>
+        </p:nvSpPr>
+        <p:spPr>
+          <a:xfrm>
+            <a:off x="899592" y="2420888"/>
+            <a:ext cx="7416824" cy="2232248"/>
+          </a:xfrm>
+          <a:prstGeom prst="roundRect">
+            <a:avLst/>
+          </a:prstGeom>
+        </p:spPr>
+        <p:style>
+          <a:lnRef idx="2">
+            <a:schemeClr val="accent1">
+              <a:shade val="50000"/>
+            </a:schemeClr>
+          </a:lnRef>
+          <a:fillRef idx="1">
+            <a:schemeClr val="accent1"/>
+          </a:fillRef>
+          <a:effectRef idx="0">
+            <a:schemeClr val="accent1"/>
+          </a:effectRef>
+          <a:fontRef idx="minor">
+            <a:schemeClr val="lt1"/>
+          </a:fontRef>
+        </p:style>
+        <p:txBody>
+          <a:bodyPr rtlCol="0" anchor="ctr"/>
+          <a:lstStyle/>
+          <a:p>
+            <a:pPr marL="228600" indent="-228600">
+              <a:buAutoNum type="arabicPeriod"/>
+            </a:pPr>
+            <a:r>
+              <a:rPr lang="en-US" altLang="ko-KR" sz="1400" dirty="0"/>
+              <a:t>Game_framework.py (2d </a:t>
+            </a:r>
+            <a:r>
+              <a:rPr lang="ko-KR" altLang="en-US" sz="1400" dirty="0"/>
+              <a:t>게임프로그래밍 수업 때 사용한 구조를 사용했습니다</a:t>
+            </a:r>
+            <a:r>
+              <a:rPr lang="en-US" altLang="ko-KR" sz="1400" dirty="0"/>
+              <a:t>)</a:t>
+            </a:r>
+          </a:p>
+          <a:p>
+            <a:pPr marL="228600" indent="-228600">
+              <a:buAutoNum type="arabicPeriod"/>
+            </a:pPr>
+            <a:endParaRPr lang="en-US" altLang="ko-KR" sz="1400" dirty="0"/>
+          </a:p>
+          <a:p>
+            <a:pPr marL="228600" indent="-228600">
+              <a:buAutoNum type="arabicPeriod"/>
+            </a:pPr>
+            <a:r>
+              <a:rPr lang="en-US" altLang="ko-KR" sz="1400" dirty="0" err="1"/>
+              <a:t>Tkinter</a:t>
+            </a:r>
+            <a:endParaRPr lang="en-US" altLang="ko-KR" sz="1400" dirty="0"/>
+          </a:p>
+          <a:p>
+            <a:pPr marL="228600" indent="-228600">
+              <a:buAutoNum type="arabicPeriod"/>
+            </a:pPr>
+            <a:endParaRPr lang="en-US" altLang="ko-KR" sz="1400" dirty="0"/>
+          </a:p>
+          <a:p>
+            <a:pPr marL="228600" indent="-228600">
+              <a:buAutoNum type="arabicPeriod"/>
+            </a:pPr>
+            <a:r>
+              <a:rPr lang="en-US" altLang="ko-KR" sz="1400" dirty="0" err="1"/>
+              <a:t>urllib</a:t>
+            </a:r>
+            <a:endParaRPr lang="en-US" altLang="ko-KR" sz="1400" dirty="0"/>
+          </a:p>
+        </p:txBody>
+      </p:sp>
+    </p:spTree>
+    <p:extLst>
+      <p:ext uri="{BB962C8B-B14F-4D97-AF65-F5344CB8AC3E}">
+        <p14:creationId xmlns:p14="http://schemas.microsoft.com/office/powerpoint/2010/main" val="4173121476"/>
+      </p:ext>
+    </p:extLst>
+  </p:cSld>
+  <p:clrMapOvr>
+    <a:masterClrMapping/>
+  </p:clrMapOvr>
+</p:sld>
+</file>
+
+<file path=ppt/slides/slide8.xml><?xml version="1.0" encoding="utf-8"?>
+<p:sld xmlns:a="http://schemas.openxmlformats.org/drawingml/2006/main" xmlns:r="http://schemas.openxmlformats.org/officeDocument/2006/relationships" xmlns:p="http://schemas.openxmlformats.org/presentationml/2006/main">
+  <p:cSld>
+    <p:spTree>
+      <p:nvGrpSpPr>
+        <p:cNvPr id="1" name=""/>
+        <p:cNvGrpSpPr/>
+        <p:nvPr/>
+      </p:nvGrpSpPr>
+      <p:grpSpPr>
+        <a:xfrm>
+          <a:off x="0" y="0"/>
+          <a:ext cx="0" cy="0"/>
+          <a:chOff x="0" y="0"/>
+          <a:chExt cx="0" cy="0"/>
+        </a:xfrm>
+      </p:grpSpPr>
+      <p:sp>
+        <p:nvSpPr>
+          <p:cNvPr id="75" name="TextBox 74">
+            <a:extLst>
+              <a:ext uri="{FF2B5EF4-FFF2-40B4-BE49-F238E27FC236}">
+                <a16:creationId xmlns:a16="http://schemas.microsoft.com/office/drawing/2014/main" id="{DA75CD55-F5E9-494B-A1A9-6ED987ABFA0A}"/>
+              </a:ext>
+            </a:extLst>
+          </p:cNvPr>
+          <p:cNvSpPr txBox="1"/>
+          <p:nvPr/>
+        </p:nvSpPr>
+        <p:spPr>
+          <a:xfrm>
+            <a:off x="179388" y="404813"/>
+            <a:ext cx="1008062" cy="769937"/>
+          </a:xfrm>
+          <a:prstGeom prst="rect">
+            <a:avLst/>
+          </a:prstGeom>
+          <a:noFill/>
+        </p:spPr>
+        <p:txBody>
+          <a:bodyPr>
+            <a:spAutoFit/>
+          </a:bodyPr>
+          <a:lstStyle/>
+          <a:p>
+            <a:pPr eaLnBrk="1" fontAlgn="auto" latinLnBrk="1" hangingPunct="1">
+              <a:spcBef>
+                <a:spcPts val="0"/>
+              </a:spcBef>
+              <a:spcAft>
+                <a:spcPts val="0"/>
+              </a:spcAft>
+              <a:defRPr/>
+            </a:pPr>
+            <a:r>
+              <a:rPr lang="en-US" altLang="ko-KR" sz="4400" b="1" spc="-300" dirty="0">
+                <a:solidFill>
+                  <a:schemeClr val="bg1"/>
+                </a:solidFill>
+                <a:latin typeface="+mn-lt"/>
+                <a:ea typeface="+mn-ea"/>
+              </a:rPr>
+              <a:t>05</a:t>
+            </a:r>
+            <a:endParaRPr lang="ko-KR" altLang="en-US" b="1" spc="-300" dirty="0">
+              <a:solidFill>
+                <a:schemeClr val="bg1"/>
+              </a:solidFill>
+              <a:latin typeface="+mn-lt"/>
+              <a:ea typeface="+mn-ea"/>
+            </a:endParaRPr>
+          </a:p>
+        </p:txBody>
+      </p:sp>
+      <p:sp>
+        <p:nvSpPr>
+          <p:cNvPr id="76" name="순서도: 논리합 75">
+            <a:extLst>
+              <a:ext uri="{FF2B5EF4-FFF2-40B4-BE49-F238E27FC236}">
+                <a16:creationId xmlns:a16="http://schemas.microsoft.com/office/drawing/2014/main" id="{BCBE40C8-45FB-4167-A9AD-8A1CF0799452}"/>
+              </a:ext>
+            </a:extLst>
+          </p:cNvPr>
+          <p:cNvSpPr/>
+          <p:nvPr/>
+        </p:nvSpPr>
+        <p:spPr>
+          <a:xfrm>
+            <a:off x="107950" y="6524625"/>
+            <a:ext cx="215900" cy="217488"/>
+          </a:xfrm>
+          <a:prstGeom prst="flowChartOr">
+            <a:avLst/>
+          </a:prstGeom>
+          <a:solidFill>
+            <a:schemeClr val="bg1">
+              <a:alpha val="50000"/>
+            </a:schemeClr>
+          </a:solidFill>
+          <a:ln>
+            <a:solidFill>
+              <a:schemeClr val="tx2"/>
+            </a:solidFill>
+          </a:ln>
+        </p:spPr>
+        <p:style>
+          <a:lnRef idx="2">
+            <a:schemeClr val="accent1">
+              <a:shade val="50000"/>
+            </a:schemeClr>
+          </a:lnRef>
+          <a:fillRef idx="1">
+            <a:schemeClr val="accent1"/>
+          </a:fillRef>
+          <a:effectRef idx="0">
+            <a:schemeClr val="accent1"/>
+          </a:effectRef>
+          <a:fontRef idx="minor">
+            <a:schemeClr val="lt1"/>
+          </a:fontRef>
+        </p:style>
+        <p:txBody>
+          <a:bodyPr anchor="ctr"/>
+          <a:lstStyle/>
+          <a:p>
+            <a:pPr algn="ctr" eaLnBrk="1" fontAlgn="auto" latinLnBrk="1" hangingPunct="1">
+              <a:spcBef>
+                <a:spcPts val="0"/>
+              </a:spcBef>
+              <a:spcAft>
+                <a:spcPts val="0"/>
+              </a:spcAft>
+              <a:defRPr/>
+            </a:pPr>
+            <a:endParaRPr lang="ko-KR" altLang="en-US"/>
+          </a:p>
+        </p:txBody>
+      </p:sp>
+      <p:grpSp>
+        <p:nvGrpSpPr>
+          <p:cNvPr id="11268" name="그룹 76">
+            <a:extLst>
+              <a:ext uri="{FF2B5EF4-FFF2-40B4-BE49-F238E27FC236}">
+                <a16:creationId xmlns:a16="http://schemas.microsoft.com/office/drawing/2014/main" id="{B0DA83F7-7F23-488C-A6D5-05118EE19928}"/>
+              </a:ext>
+            </a:extLst>
+          </p:cNvPr>
+          <p:cNvGrpSpPr>
+            <a:grpSpLocks/>
+          </p:cNvGrpSpPr>
+          <p:nvPr/>
+        </p:nvGrpSpPr>
+        <p:grpSpPr bwMode="auto">
+          <a:xfrm>
+            <a:off x="966788" y="611188"/>
+            <a:ext cx="3311525" cy="431800"/>
+            <a:chOff x="733074" y="2060848"/>
+            <a:chExt cx="3622902" cy="504056"/>
+          </a:xfrm>
+        </p:grpSpPr>
+        <p:sp>
+          <p:nvSpPr>
+            <p:cNvPr id="78" name="직사각형 77">
+              <a:extLst>
+                <a:ext uri="{FF2B5EF4-FFF2-40B4-BE49-F238E27FC236}">
+                  <a16:creationId xmlns:a16="http://schemas.microsoft.com/office/drawing/2014/main" id="{207A0700-0D75-4BE7-A76D-F6F66ED350D0}"/>
+                </a:ext>
+              </a:extLst>
+            </p:cNvPr>
+            <p:cNvSpPr/>
+            <p:nvPr/>
+          </p:nvSpPr>
+          <p:spPr>
+            <a:xfrm>
+              <a:off x="733074" y="2060848"/>
+              <a:ext cx="3407543" cy="504056"/>
+            </a:xfrm>
+            <a:prstGeom prst="rect">
+              <a:avLst/>
+            </a:prstGeom>
+            <a:solidFill>
+              <a:schemeClr val="bg1"/>
+            </a:solidFill>
+            <a:ln>
+              <a:noFill/>
+            </a:ln>
+          </p:spPr>
+          <p:style>
+            <a:lnRef idx="2">
+              <a:schemeClr val="accent1">
+                <a:shade val="50000"/>
+              </a:schemeClr>
+            </a:lnRef>
+            <a:fillRef idx="1">
+              <a:schemeClr val="accent1"/>
+            </a:fillRef>
+            <a:effectRef idx="0">
+              <a:schemeClr val="accent1"/>
+            </a:effectRef>
+            <a:fontRef idx="minor">
+              <a:schemeClr val="lt1"/>
+            </a:fontRef>
+          </p:style>
+          <p:txBody>
+            <a:bodyPr anchor="ctr"/>
+            <a:lstStyle/>
+            <a:p>
+              <a:pPr algn="ctr" eaLnBrk="1" fontAlgn="auto" latinLnBrk="1" hangingPunct="1">
+                <a:spcBef>
+                  <a:spcPts val="0"/>
+                </a:spcBef>
+                <a:spcAft>
+                  <a:spcPts val="0"/>
+                </a:spcAft>
+                <a:defRPr/>
+              </a:pPr>
+              <a:endParaRPr lang="ko-KR" altLang="en-US" dirty="0">
+                <a:solidFill>
+                  <a:schemeClr val="bg1"/>
+                </a:solidFill>
+              </a:endParaRPr>
+            </a:p>
+          </p:txBody>
+        </p:sp>
+        <p:sp>
+          <p:nvSpPr>
+            <p:cNvPr id="79" name="타원 78">
+              <a:extLst>
+                <a:ext uri="{FF2B5EF4-FFF2-40B4-BE49-F238E27FC236}">
+                  <a16:creationId xmlns:a16="http://schemas.microsoft.com/office/drawing/2014/main" id="{6ADCA1CA-8B9F-4C2A-863C-718CC9CB698C}"/>
+                </a:ext>
+              </a:extLst>
+            </p:cNvPr>
+            <p:cNvSpPr/>
+            <p:nvPr/>
+          </p:nvSpPr>
+          <p:spPr>
+            <a:xfrm>
+              <a:off x="3852313" y="2060848"/>
+              <a:ext cx="503663" cy="504056"/>
+            </a:xfrm>
+            <a:prstGeom prst="ellipse">
+              <a:avLst/>
+            </a:prstGeom>
+            <a:solidFill>
+              <a:schemeClr val="bg1"/>
+            </a:solidFill>
+            <a:ln>
+              <a:noFill/>
+            </a:ln>
+          </p:spPr>
+          <p:style>
+            <a:lnRef idx="2">
+              <a:schemeClr val="accent1">
+                <a:shade val="50000"/>
+              </a:schemeClr>
+            </a:lnRef>
+            <a:fillRef idx="1">
+              <a:schemeClr val="accent1"/>
+            </a:fillRef>
+            <a:effectRef idx="0">
+              <a:schemeClr val="accent1"/>
+            </a:effectRef>
+            <a:fontRef idx="minor">
+              <a:schemeClr val="lt1"/>
+            </a:fontRef>
+          </p:style>
+          <p:txBody>
+            <a:bodyPr anchor="ctr"/>
+            <a:lstStyle/>
+            <a:p>
+              <a:pPr algn="ctr" eaLnBrk="1" fontAlgn="auto" latinLnBrk="1" hangingPunct="1">
+                <a:spcBef>
+                  <a:spcPts val="0"/>
+                </a:spcBef>
+                <a:spcAft>
+                  <a:spcPts val="0"/>
+                </a:spcAft>
+                <a:defRPr/>
+              </a:pPr>
+              <a:endParaRPr lang="ko-KR" altLang="en-US"/>
+            </a:p>
+          </p:txBody>
+        </p:sp>
+      </p:grpSp>
+      <p:sp>
+        <p:nvSpPr>
+          <p:cNvPr id="80" name="TextBox 79">
+            <a:extLst>
+              <a:ext uri="{FF2B5EF4-FFF2-40B4-BE49-F238E27FC236}">
+                <a16:creationId xmlns:a16="http://schemas.microsoft.com/office/drawing/2014/main" id="{C3A4E183-84A0-4919-B471-6F8E3C6F9292}"/>
+              </a:ext>
+            </a:extLst>
+          </p:cNvPr>
+          <p:cNvSpPr txBox="1"/>
+          <p:nvPr/>
+        </p:nvSpPr>
+        <p:spPr>
+          <a:xfrm>
+            <a:off x="323528" y="6525344"/>
+            <a:ext cx="3240360" cy="369332"/>
+          </a:xfrm>
+          <a:prstGeom prst="rect">
+            <a:avLst/>
+          </a:prstGeom>
+          <a:noFill/>
+        </p:spPr>
+        <p:txBody>
+          <a:bodyPr wrap="square">
+            <a:spAutoFit/>
+          </a:bodyPr>
+          <a:lstStyle/>
+          <a:p>
+            <a:pPr eaLnBrk="1" fontAlgn="auto" latinLnBrk="1" hangingPunct="1">
+              <a:spcBef>
+                <a:spcPts val="0"/>
+              </a:spcBef>
+              <a:spcAft>
+                <a:spcPts val="0"/>
+              </a:spcAft>
+              <a:defRPr/>
+            </a:pPr>
+            <a:r>
+              <a:rPr lang="ko-KR" altLang="en-US" b="1" dirty="0" err="1">
+                <a:solidFill>
+                  <a:schemeClr val="bg1">
+                    <a:alpha val="50000"/>
+                  </a:schemeClr>
+                </a:solidFill>
+              </a:rPr>
+              <a:t>게임공</a:t>
+            </a:r>
+            <a:r>
+              <a:rPr lang="ko-KR" altLang="en-US" b="1" dirty="0">
+                <a:solidFill>
+                  <a:schemeClr val="bg1">
+                    <a:alpha val="50000"/>
+                  </a:schemeClr>
+                </a:solidFill>
+              </a:rPr>
+              <a:t> </a:t>
+            </a:r>
+            <a:r>
+              <a:rPr lang="en-US" altLang="ko-KR" b="1" dirty="0">
+                <a:solidFill>
+                  <a:schemeClr val="bg1">
+                    <a:alpha val="50000"/>
+                  </a:schemeClr>
+                </a:solidFill>
+              </a:rPr>
+              <a:t>2016180027</a:t>
+            </a:r>
+            <a:r>
+              <a:rPr lang="ko-KR" altLang="en-US" b="1" dirty="0">
+                <a:solidFill>
+                  <a:schemeClr val="bg1">
+                    <a:alpha val="50000"/>
+                  </a:schemeClr>
+                </a:solidFill>
+              </a:rPr>
+              <a:t> </a:t>
+            </a:r>
+            <a:r>
+              <a:rPr lang="ko-KR" altLang="en-US" b="1" dirty="0" err="1">
+                <a:solidFill>
+                  <a:schemeClr val="bg1">
+                    <a:alpha val="50000"/>
+                  </a:schemeClr>
+                </a:solidFill>
+              </a:rPr>
+              <a:t>야준서</a:t>
+            </a:r>
+            <a:endParaRPr lang="ko-KR" altLang="en-US" b="1" dirty="0">
+              <a:solidFill>
+                <a:schemeClr val="bg1">
+                  <a:alpha val="50000"/>
+                </a:schemeClr>
+              </a:solidFill>
+            </a:endParaRPr>
+          </a:p>
+        </p:txBody>
+      </p:sp>
+      <p:sp>
+        <p:nvSpPr>
+          <p:cNvPr id="82" name="TextBox 81">
+            <a:extLst>
+              <a:ext uri="{FF2B5EF4-FFF2-40B4-BE49-F238E27FC236}">
+                <a16:creationId xmlns:a16="http://schemas.microsoft.com/office/drawing/2014/main" id="{AD5BC15E-AD34-49B3-988E-5F14E265EA7E}"/>
+              </a:ext>
+            </a:extLst>
+          </p:cNvPr>
+          <p:cNvSpPr txBox="1"/>
+          <p:nvPr/>
+        </p:nvSpPr>
+        <p:spPr>
+          <a:xfrm>
+            <a:off x="981075" y="630238"/>
+            <a:ext cx="3168650" cy="400050"/>
+          </a:xfrm>
+          <a:prstGeom prst="rect">
+            <a:avLst/>
+          </a:prstGeom>
+          <a:noFill/>
+        </p:spPr>
+        <p:txBody>
+          <a:bodyPr>
+            <a:spAutoFit/>
+          </a:bodyPr>
+          <a:lstStyle/>
+          <a:p>
+            <a:pPr eaLnBrk="1" fontAlgn="auto" latinLnBrk="1" hangingPunct="1">
+              <a:spcBef>
+                <a:spcPts val="0"/>
+              </a:spcBef>
+              <a:spcAft>
+                <a:spcPts val="0"/>
+              </a:spcAft>
+              <a:defRPr/>
+            </a:pPr>
+            <a:r>
               <a:rPr lang="ko-KR" altLang="en-US" sz="2000" b="1" dirty="0" err="1">
                 <a:solidFill>
                   <a:schemeClr val="tx2"/>
@@ -14229,8 +16094,25 @@
                 <a:latin typeface="+mn-lt"/>
                 <a:ea typeface="+mn-ea"/>
               </a:rPr>
-              <a:t> 계획</a:t>
-            </a:r>
+              <a:t> 계획 및 </a:t>
+            </a:r>
+            <a:r>
+              <a:rPr lang="ko-KR" altLang="en-US" sz="2000" b="1" dirty="0" err="1">
+                <a:solidFill>
+                  <a:schemeClr val="tx2"/>
+                </a:solidFill>
+                <a:latin typeface="+mn-lt"/>
+                <a:ea typeface="+mn-ea"/>
+              </a:rPr>
+              <a:t>커밋현황</a:t>
+            </a:r>
+            <a:endParaRPr lang="ko-KR" altLang="en-US" sz="2000" b="1" dirty="0">
+              <a:solidFill>
+                <a:schemeClr val="tx2"/>
+              </a:solidFill>
+              <a:latin typeface="+mn-lt"/>
+              <a:ea typeface="+mn-ea"/>
+            </a:endParaRPr>
           </a:p>
         </p:txBody>
       </p:sp>
@@ -14868,6 +16750,36 @@
           </a:graphicData>
         </a:graphic>
       </p:graphicFrame>
+      <p:pic>
+        <p:nvPicPr>
+          <p:cNvPr id="3" name="그림 2">
+            <a:extLst>
+              <a:ext uri="{FF2B5EF4-FFF2-40B4-BE49-F238E27FC236}">
+                <a16:creationId xmlns:a16="http://schemas.microsoft.com/office/drawing/2014/main" id="{01616A27-64BC-482D-BC18-DB8CD3503363}"/>
+              </a:ext>
+            </a:extLst>
+          </p:cNvPr>
+          <p:cNvPicPr>
+            <a:picLocks noChangeAspect="1"/>
+          </p:cNvPicPr>
+          <p:nvPr/>
+        </p:nvPicPr>
+        <p:blipFill>
+          <a:blip r:embed="rId3"/>
+          <a:stretch>
+            <a:fillRect/>
+          </a:stretch>
+        </p:blipFill>
+        <p:spPr>
+          <a:xfrm>
+            <a:off x="523874" y="4686300"/>
+            <a:ext cx="8096250" cy="1581150"/>
+          </a:xfrm>
+          <a:prstGeom prst="rect">
+            <a:avLst/>
+          </a:prstGeom>
+        </p:spPr>
+      </p:pic>
     </p:spTree>
   </p:cSld>
   <p:clrMapOvr>
@@ -14876,7 +16788,7 @@
 </p:sld>
 </file>
 
-<file path=ppt/slides/slide8.xml><?xml version="1.0" encoding="utf-8"?>
+<file path=ppt/slides/slide9.xml><?xml version="1.0" encoding="utf-8"?>
 <p:sld xmlns:a="http://schemas.openxmlformats.org/drawingml/2006/main" xmlns:r="http://schemas.openxmlformats.org/officeDocument/2006/relationships" xmlns:p="http://schemas.openxmlformats.org/presentationml/2006/main">
   <p:cSld>
     <p:spTree>
@@ -14938,7 +16850,7 @@
                 <a:latin typeface="+mn-lt"/>
                 <a:ea typeface="+mn-ea"/>
               </a:rPr>
-              <a:t>04</a:t>
+              <a:t>06</a:t>
             </a:r>
             <a:endParaRPr lang="ko-KR" altLang="en-US" b="1" spc="-300" dirty="0">
               <a:solidFill>
@@ -15389,7 +17301,7 @@
             </a:pPr>
             <a:r>
               <a:rPr lang="ko-KR" altLang="en-US" sz="1100" dirty="0"/>
-              <a:t>즐겨찾기 기능 구현 중 문제가 생겨 시간 내 구현을 못했습니다</a:t>
+              <a:t>즐겨찾기 기능 구현 중 문제가 생겨 시간 내 구현을 못 했습니다</a:t>
             </a:r>
             <a:r>
               <a:rPr lang="en-US" altLang="ko-KR" sz="1100" dirty="0"/>
@@ -15404,784 +17316,6 @@
         <p14:creationId xmlns:p14="http://schemas.microsoft.com/office/powerpoint/2010/main" val="2619495468"/>
       </p:ext>
     </p:extLst>
-  </p:cSld>
-  <p:clrMapOvr>
-    <a:masterClrMapping/>
-  </p:clrMapOvr>
-</p:sld>
-</file>
-
-<file path=ppt/slides/slide9.xml><?xml version="1.0" encoding="utf-8"?>
-<p:sld xmlns:a="http://schemas.openxmlformats.org/drawingml/2006/main" xmlns:r="http://schemas.openxmlformats.org/officeDocument/2006/relationships" xmlns:p="http://schemas.openxmlformats.org/presentationml/2006/main">
-  <p:cSld>
-    <p:spTree>
-      <p:nvGrpSpPr>
-        <p:cNvPr id="1" name=""/>
-        <p:cNvGrpSpPr/>
-        <p:nvPr/>
-      </p:nvGrpSpPr>
-      <p:grpSpPr>
-        <a:xfrm>
-          <a:off x="0" y="0"/>
-          <a:ext cx="0" cy="0"/>
-          <a:chOff x="0" y="0"/>
-          <a:chExt cx="0" cy="0"/>
-        </a:xfrm>
-      </p:grpSpPr>
-      <p:sp>
-        <p:nvSpPr>
-          <p:cNvPr id="4" name="TextBox 3">
-            <a:extLst>
-              <a:ext uri="{FF2B5EF4-FFF2-40B4-BE49-F238E27FC236}">
-                <a16:creationId xmlns:a16="http://schemas.microsoft.com/office/drawing/2014/main" id="{AE8ACC04-31C9-4E71-BBC1-7F8E0673596C}"/>
-              </a:ext>
-            </a:extLst>
-          </p:cNvPr>
-          <p:cNvSpPr txBox="1"/>
-          <p:nvPr/>
-        </p:nvSpPr>
-        <p:spPr>
-          <a:xfrm>
-            <a:off x="1547813" y="1989138"/>
-            <a:ext cx="6192837" cy="830262"/>
-          </a:xfrm>
-          <a:prstGeom prst="rect">
-            <a:avLst/>
-          </a:prstGeom>
-          <a:noFill/>
-        </p:spPr>
-        <p:txBody>
-          <a:bodyPr>
-            <a:spAutoFit/>
-          </a:bodyPr>
-          <a:lstStyle/>
-          <a:p>
-            <a:pPr algn="ctr" eaLnBrk="1" fontAlgn="auto" latinLnBrk="1" hangingPunct="1">
-              <a:spcBef>
-                <a:spcPts val="0"/>
-              </a:spcBef>
-              <a:spcAft>
-                <a:spcPts val="0"/>
-              </a:spcAft>
-              <a:defRPr/>
-            </a:pPr>
-            <a:r>
-              <a:rPr lang="ko-KR" altLang="en-US" sz="4800" b="1" spc="-150" dirty="0">
-                <a:solidFill>
-                  <a:schemeClr val="bg1"/>
-                </a:solidFill>
-                <a:latin typeface="+mn-lt"/>
-                <a:ea typeface="+mn-ea"/>
-              </a:rPr>
-              <a:t>감사합니다</a:t>
-            </a:r>
-            <a:endParaRPr lang="en-US" altLang="ko-KR" sz="4800" b="1" spc="-150" dirty="0">
-              <a:solidFill>
-                <a:schemeClr val="bg1"/>
-              </a:solidFill>
-              <a:latin typeface="+mn-lt"/>
-              <a:ea typeface="+mn-ea"/>
-            </a:endParaRPr>
-          </a:p>
-        </p:txBody>
-      </p:sp>
-      <p:sp>
-        <p:nvSpPr>
-          <p:cNvPr id="25603" name="TextBox 7">
-            <a:extLst>
-              <a:ext uri="{FF2B5EF4-FFF2-40B4-BE49-F238E27FC236}">
-                <a16:creationId xmlns:a16="http://schemas.microsoft.com/office/drawing/2014/main" id="{E98757D1-3E45-4B3F-92BF-052777A6C79D}"/>
-              </a:ext>
-            </a:extLst>
-          </p:cNvPr>
-          <p:cNvSpPr txBox="1">
-            <a:spLocks noChangeArrowheads="1"/>
-          </p:cNvSpPr>
-          <p:nvPr/>
-        </p:nvSpPr>
-        <p:spPr bwMode="auto">
-          <a:xfrm>
-            <a:off x="2124075" y="4652963"/>
-            <a:ext cx="5040313" cy="646331"/>
-          </a:xfrm>
-          <a:prstGeom prst="rect">
-            <a:avLst/>
-          </a:prstGeom>
-          <a:noFill/>
-          <a:ln>
-            <a:noFill/>
-          </a:ln>
-          <a:extLst>
-            <a:ext uri="{909E8E84-426E-40DD-AFC4-6F175D3DCCD1}">
-              <a14:hiddenFill xmlns:a14="http://schemas.microsoft.com/office/drawing/2010/main">
-                <a:solidFill>
-                  <a:srgbClr val="FFFFFF"/>
-                </a:solidFill>
-              </a14:hiddenFill>
-            </a:ext>
-            <a:ext uri="{91240B29-F687-4F45-9708-019B960494DF}">
-              <a14:hiddenLine xmlns:a14="http://schemas.microsoft.com/office/drawing/2010/main" w="9525">
-                <a:solidFill>
-                  <a:srgbClr val="000000"/>
-                </a:solidFill>
-                <a:miter lim="800000"/>
-                <a:headEnd/>
-                <a:tailEnd/>
-              </a14:hiddenLine>
-            </a:ext>
-          </a:extLst>
-        </p:spPr>
-        <p:txBody>
-          <a:bodyPr>
-            <a:spAutoFit/>
-          </a:bodyPr>
-          <a:lstStyle>
-            <a:lvl1pPr latinLnBrk="1">
-              <a:defRPr>
-                <a:solidFill>
-                  <a:schemeClr val="tx1"/>
-                </a:solidFill>
-                <a:latin typeface="맑은 고딕" panose="020B0503020000020004" pitchFamily="50" charset="-127"/>
-                <a:ea typeface="맑은 고딕" panose="020B0503020000020004" pitchFamily="50" charset="-127"/>
-              </a:defRPr>
-            </a:lvl1pPr>
-            <a:lvl2pPr marL="742950" indent="-285750" latinLnBrk="1">
-              <a:defRPr>
-                <a:solidFill>
-                  <a:schemeClr val="tx1"/>
-                </a:solidFill>
-                <a:latin typeface="맑은 고딕" panose="020B0503020000020004" pitchFamily="50" charset="-127"/>
-                <a:ea typeface="맑은 고딕" panose="020B0503020000020004" pitchFamily="50" charset="-127"/>
-              </a:defRPr>
-            </a:lvl2pPr>
-            <a:lvl3pPr marL="1143000" indent="-228600" latinLnBrk="1">
-              <a:defRPr>
-                <a:solidFill>
-                  <a:schemeClr val="tx1"/>
-                </a:solidFill>
-                <a:latin typeface="맑은 고딕" panose="020B0503020000020004" pitchFamily="50" charset="-127"/>
-                <a:ea typeface="맑은 고딕" panose="020B0503020000020004" pitchFamily="50" charset="-127"/>
-              </a:defRPr>
-            </a:lvl3pPr>
-            <a:lvl4pPr marL="1600200" indent="-228600" latinLnBrk="1">
-              <a:defRPr>
-                <a:solidFill>
-                  <a:schemeClr val="tx1"/>
-                </a:solidFill>
-                <a:latin typeface="맑은 고딕" panose="020B0503020000020004" pitchFamily="50" charset="-127"/>
-                <a:ea typeface="맑은 고딕" panose="020B0503020000020004" pitchFamily="50" charset="-127"/>
-              </a:defRPr>
-            </a:lvl4pPr>
-            <a:lvl5pPr marL="2057400" indent="-228600" latinLnBrk="1">
-              <a:defRPr>
-                <a:solidFill>
-                  <a:schemeClr val="tx1"/>
-                </a:solidFill>
-                <a:latin typeface="맑은 고딕" panose="020B0503020000020004" pitchFamily="50" charset="-127"/>
-                <a:ea typeface="맑은 고딕" panose="020B0503020000020004" pitchFamily="50" charset="-127"/>
-              </a:defRPr>
-            </a:lvl5pPr>
-            <a:lvl6pPr marL="2514600" indent="-228600" fontAlgn="base">
-              <a:spcBef>
-                <a:spcPct val="0"/>
-              </a:spcBef>
-              <a:spcAft>
-                <a:spcPct val="0"/>
-              </a:spcAft>
-              <a:defRPr>
-                <a:solidFill>
-                  <a:schemeClr val="tx1"/>
-                </a:solidFill>
-                <a:latin typeface="맑은 고딕" panose="020B0503020000020004" pitchFamily="50" charset="-127"/>
-                <a:ea typeface="맑은 고딕" panose="020B0503020000020004" pitchFamily="50" charset="-127"/>
-              </a:defRPr>
-            </a:lvl6pPr>
-            <a:lvl7pPr marL="2971800" indent="-228600" fontAlgn="base">
-              <a:spcBef>
-                <a:spcPct val="0"/>
-              </a:spcBef>
-              <a:spcAft>
-                <a:spcPct val="0"/>
-              </a:spcAft>
-              <a:defRPr>
-                <a:solidFill>
-                  <a:schemeClr val="tx1"/>
-                </a:solidFill>
-                <a:latin typeface="맑은 고딕" panose="020B0503020000020004" pitchFamily="50" charset="-127"/>
-                <a:ea typeface="맑은 고딕" panose="020B0503020000020004" pitchFamily="50" charset="-127"/>
-              </a:defRPr>
-            </a:lvl7pPr>
-            <a:lvl8pPr marL="3429000" indent="-228600" fontAlgn="base">
-              <a:spcBef>
-                <a:spcPct val="0"/>
-              </a:spcBef>
-              <a:spcAft>
-                <a:spcPct val="0"/>
-              </a:spcAft>
-              <a:defRPr>
-                <a:solidFill>
-                  <a:schemeClr val="tx1"/>
-                </a:solidFill>
-                <a:latin typeface="맑은 고딕" panose="020B0503020000020004" pitchFamily="50" charset="-127"/>
-                <a:ea typeface="맑은 고딕" panose="020B0503020000020004" pitchFamily="50" charset="-127"/>
-              </a:defRPr>
-            </a:lvl8pPr>
-            <a:lvl9pPr marL="3886200" indent="-228600" fontAlgn="base">
-              <a:spcBef>
-                <a:spcPct val="0"/>
-              </a:spcBef>
-              <a:spcAft>
-                <a:spcPct val="0"/>
-              </a:spcAft>
-              <a:defRPr>
-                <a:solidFill>
-                  <a:schemeClr val="tx1"/>
-                </a:solidFill>
-                <a:latin typeface="맑은 고딕" panose="020B0503020000020004" pitchFamily="50" charset="-127"/>
-                <a:ea typeface="맑은 고딕" panose="020B0503020000020004" pitchFamily="50" charset="-127"/>
-              </a:defRPr>
-            </a:lvl9pPr>
-          </a:lstStyle>
-          <a:p>
-            <a:pPr algn="ctr" eaLnBrk="1" hangingPunct="1"/>
-            <a:endParaRPr lang="en-US" altLang="ko-KR" b="1" dirty="0"/>
-          </a:p>
-          <a:p>
-            <a:pPr algn="ctr" eaLnBrk="1" hangingPunct="1"/>
-            <a:r>
-              <a:rPr lang="ko-KR" altLang="en-US" b="1" dirty="0">
-                <a:solidFill>
-                  <a:schemeClr val="bg1"/>
-                </a:solidFill>
-              </a:rPr>
-              <a:t>게임공학과 </a:t>
-            </a:r>
-            <a:r>
-              <a:rPr lang="en-US" altLang="ko-KR" b="1" dirty="0">
-                <a:solidFill>
-                  <a:schemeClr val="bg1"/>
-                </a:solidFill>
-              </a:rPr>
-              <a:t>2016180027 </a:t>
-            </a:r>
-            <a:r>
-              <a:rPr lang="ko-KR" altLang="en-US" b="1" dirty="0" err="1">
-                <a:solidFill>
-                  <a:schemeClr val="bg1"/>
-                </a:solidFill>
-              </a:rPr>
-              <a:t>야준서</a:t>
-            </a:r>
-            <a:endParaRPr lang="ko-KR" altLang="en-US" b="1" dirty="0">
-              <a:solidFill>
-                <a:schemeClr val="bg1"/>
-              </a:solidFill>
-            </a:endParaRPr>
-          </a:p>
-        </p:txBody>
-      </p:sp>
-      <p:sp>
-        <p:nvSpPr>
-          <p:cNvPr id="74" name="순서도: 논리합 73">
-            <a:extLst>
-              <a:ext uri="{FF2B5EF4-FFF2-40B4-BE49-F238E27FC236}">
-                <a16:creationId xmlns:a16="http://schemas.microsoft.com/office/drawing/2014/main" id="{C4F6DFD4-5717-42D2-A2FC-89A1DD775CE4}"/>
-              </a:ext>
-            </a:extLst>
-          </p:cNvPr>
-          <p:cNvSpPr/>
-          <p:nvPr/>
-        </p:nvSpPr>
-        <p:spPr>
-          <a:xfrm>
-            <a:off x="179388" y="2590800"/>
-            <a:ext cx="215900" cy="215900"/>
-          </a:xfrm>
-          <a:prstGeom prst="flowChartOr">
-            <a:avLst/>
-          </a:prstGeom>
-          <a:solidFill>
-            <a:schemeClr val="bg1">
-              <a:alpha val="50000"/>
-            </a:schemeClr>
-          </a:solidFill>
-          <a:ln>
-            <a:solidFill>
-              <a:schemeClr val="tx2"/>
-            </a:solidFill>
-          </a:ln>
-        </p:spPr>
-        <p:style>
-          <a:lnRef idx="2">
-            <a:schemeClr val="accent1">
-              <a:shade val="50000"/>
-            </a:schemeClr>
-          </a:lnRef>
-          <a:fillRef idx="1">
-            <a:schemeClr val="accent1"/>
-          </a:fillRef>
-          <a:effectRef idx="0">
-            <a:schemeClr val="accent1"/>
-          </a:effectRef>
-          <a:fontRef idx="minor">
-            <a:schemeClr val="lt1"/>
-          </a:fontRef>
-        </p:style>
-        <p:txBody>
-          <a:bodyPr anchor="ctr"/>
-          <a:lstStyle/>
-          <a:p>
-            <a:pPr algn="ctr" eaLnBrk="1" fontAlgn="auto" latinLnBrk="1" hangingPunct="1">
-              <a:spcBef>
-                <a:spcPts val="0"/>
-              </a:spcBef>
-              <a:spcAft>
-                <a:spcPts val="0"/>
-              </a:spcAft>
-              <a:defRPr/>
-            </a:pPr>
-            <a:endParaRPr lang="ko-KR" altLang="en-US"/>
-          </a:p>
-        </p:txBody>
-      </p:sp>
-      <p:sp>
-        <p:nvSpPr>
-          <p:cNvPr id="75" name="순서도: 논리합 74">
-            <a:extLst>
-              <a:ext uri="{FF2B5EF4-FFF2-40B4-BE49-F238E27FC236}">
-                <a16:creationId xmlns:a16="http://schemas.microsoft.com/office/drawing/2014/main" id="{D1118996-E87E-4C1E-B796-5CDCCB38F291}"/>
-              </a:ext>
-            </a:extLst>
-          </p:cNvPr>
-          <p:cNvSpPr/>
-          <p:nvPr/>
-        </p:nvSpPr>
-        <p:spPr>
-          <a:xfrm>
-            <a:off x="8748713" y="2605088"/>
-            <a:ext cx="215900" cy="215900"/>
-          </a:xfrm>
-          <a:prstGeom prst="flowChartOr">
-            <a:avLst/>
-          </a:prstGeom>
-          <a:solidFill>
-            <a:schemeClr val="bg1">
-              <a:alpha val="50000"/>
-            </a:schemeClr>
-          </a:solidFill>
-          <a:ln>
-            <a:solidFill>
-              <a:schemeClr val="tx2"/>
-            </a:solidFill>
-          </a:ln>
-        </p:spPr>
-        <p:style>
-          <a:lnRef idx="2">
-            <a:schemeClr val="accent1">
-              <a:shade val="50000"/>
-            </a:schemeClr>
-          </a:lnRef>
-          <a:fillRef idx="1">
-            <a:schemeClr val="accent1"/>
-          </a:fillRef>
-          <a:effectRef idx="0">
-            <a:schemeClr val="accent1"/>
-          </a:effectRef>
-          <a:fontRef idx="minor">
-            <a:schemeClr val="lt1"/>
-          </a:fontRef>
-        </p:style>
-        <p:txBody>
-          <a:bodyPr anchor="ctr"/>
-          <a:lstStyle/>
-          <a:p>
-            <a:pPr algn="ctr" eaLnBrk="1" fontAlgn="auto" latinLnBrk="1" hangingPunct="1">
-              <a:spcBef>
-                <a:spcPts val="0"/>
-              </a:spcBef>
-              <a:spcAft>
-                <a:spcPts val="0"/>
-              </a:spcAft>
-              <a:defRPr/>
-            </a:pPr>
-            <a:endParaRPr lang="ko-KR" altLang="en-US"/>
-          </a:p>
-        </p:txBody>
-      </p:sp>
-      <p:cxnSp>
-        <p:nvCxnSpPr>
-          <p:cNvPr id="81" name="직선 연결선 80">
-            <a:extLst>
-              <a:ext uri="{FF2B5EF4-FFF2-40B4-BE49-F238E27FC236}">
-                <a16:creationId xmlns:a16="http://schemas.microsoft.com/office/drawing/2014/main" id="{A32563E2-1023-4F6A-90E2-EFA2F38CF91E}"/>
-              </a:ext>
-            </a:extLst>
-          </p:cNvPr>
-          <p:cNvCxnSpPr>
-            <a:stCxn id="74" idx="6"/>
-          </p:cNvCxnSpPr>
-          <p:nvPr/>
-        </p:nvCxnSpPr>
-        <p:spPr>
-          <a:xfrm>
-            <a:off x="395288" y="2698750"/>
-            <a:ext cx="2447925" cy="9525"/>
-          </a:xfrm>
-          <a:prstGeom prst="line">
-            <a:avLst/>
-          </a:prstGeom>
-          <a:ln>
-            <a:solidFill>
-              <a:schemeClr val="bg1"/>
-            </a:solidFill>
-            <a:prstDash val="sysDash"/>
-          </a:ln>
-        </p:spPr>
-        <p:style>
-          <a:lnRef idx="1">
-            <a:schemeClr val="accent1"/>
-          </a:lnRef>
-          <a:fillRef idx="0">
-            <a:schemeClr val="accent1"/>
-          </a:fillRef>
-          <a:effectRef idx="0">
-            <a:schemeClr val="accent1"/>
-          </a:effectRef>
-          <a:fontRef idx="minor">
-            <a:schemeClr val="tx1"/>
-          </a:fontRef>
-        </p:style>
-      </p:cxnSp>
-      <p:cxnSp>
-        <p:nvCxnSpPr>
-          <p:cNvPr id="82" name="직선 연결선 81">
-            <a:extLst>
-              <a:ext uri="{FF2B5EF4-FFF2-40B4-BE49-F238E27FC236}">
-                <a16:creationId xmlns:a16="http://schemas.microsoft.com/office/drawing/2014/main" id="{ED4B522D-38B1-47A8-8723-CD44120DC667}"/>
-              </a:ext>
-            </a:extLst>
-          </p:cNvPr>
-          <p:cNvCxnSpPr/>
-          <p:nvPr/>
-        </p:nvCxnSpPr>
-        <p:spPr>
-          <a:xfrm>
-            <a:off x="6443663" y="2709863"/>
-            <a:ext cx="2314575" cy="9525"/>
-          </a:xfrm>
-          <a:prstGeom prst="line">
-            <a:avLst/>
-          </a:prstGeom>
-          <a:ln>
-            <a:solidFill>
-              <a:schemeClr val="bg1"/>
-            </a:solidFill>
-            <a:prstDash val="sysDash"/>
-          </a:ln>
-        </p:spPr>
-        <p:style>
-          <a:lnRef idx="1">
-            <a:schemeClr val="accent1"/>
-          </a:lnRef>
-          <a:fillRef idx="0">
-            <a:schemeClr val="accent1"/>
-          </a:fillRef>
-          <a:effectRef idx="0">
-            <a:schemeClr val="accent1"/>
-          </a:effectRef>
-          <a:fontRef idx="minor">
-            <a:schemeClr val="tx1"/>
-          </a:fontRef>
-        </p:style>
-      </p:cxnSp>
-      <p:grpSp>
-        <p:nvGrpSpPr>
-          <p:cNvPr id="25608" name="그룹 89">
-            <a:extLst>
-              <a:ext uri="{FF2B5EF4-FFF2-40B4-BE49-F238E27FC236}">
-                <a16:creationId xmlns:a16="http://schemas.microsoft.com/office/drawing/2014/main" id="{2F75EADC-BB8D-4DCF-81F0-4E73559A402D}"/>
-              </a:ext>
-            </a:extLst>
-          </p:cNvPr>
-          <p:cNvGrpSpPr>
-            <a:grpSpLocks/>
-          </p:cNvGrpSpPr>
-          <p:nvPr/>
-        </p:nvGrpSpPr>
-        <p:grpSpPr bwMode="auto">
-          <a:xfrm>
-            <a:off x="2700338" y="2852738"/>
-            <a:ext cx="3743325" cy="431800"/>
-            <a:chOff x="2699792" y="2852936"/>
-            <a:chExt cx="3744416" cy="504056"/>
-          </a:xfrm>
-        </p:grpSpPr>
-        <p:grpSp>
-          <p:nvGrpSpPr>
-            <p:cNvPr id="25610" name="그룹 85">
-              <a:extLst>
-                <a:ext uri="{FF2B5EF4-FFF2-40B4-BE49-F238E27FC236}">
-                  <a16:creationId xmlns:a16="http://schemas.microsoft.com/office/drawing/2014/main" id="{DD3D93FA-B120-4A7A-9C35-FFE115DE0A42}"/>
-                </a:ext>
-              </a:extLst>
-            </p:cNvPr>
-            <p:cNvGrpSpPr>
-              <a:grpSpLocks/>
-            </p:cNvGrpSpPr>
-            <p:nvPr/>
-          </p:nvGrpSpPr>
-          <p:grpSpPr bwMode="auto">
-            <a:xfrm>
-              <a:off x="2987824" y="2852936"/>
-              <a:ext cx="3456384" cy="504056"/>
-              <a:chOff x="899592" y="2060848"/>
-              <a:chExt cx="3456384" cy="504056"/>
-            </a:xfrm>
-          </p:grpSpPr>
-          <p:sp>
-            <p:nvSpPr>
-              <p:cNvPr id="87" name="직사각형 86">
-                <a:extLst>
-                  <a:ext uri="{FF2B5EF4-FFF2-40B4-BE49-F238E27FC236}">
-                    <a16:creationId xmlns:a16="http://schemas.microsoft.com/office/drawing/2014/main" id="{9C53B8B8-23D1-49D7-AD94-68C4C585747D}"/>
-                  </a:ext>
-                </a:extLst>
-              </p:cNvPr>
-              <p:cNvSpPr/>
-              <p:nvPr/>
-            </p:nvSpPr>
-            <p:spPr>
-              <a:xfrm>
-                <a:off x="898981" y="2060848"/>
-                <a:ext cx="3241032" cy="504056"/>
-              </a:xfrm>
-              <a:prstGeom prst="rect">
-                <a:avLst/>
-              </a:prstGeom>
-              <a:solidFill>
-                <a:schemeClr val="bg1"/>
-              </a:solidFill>
-              <a:ln>
-                <a:noFill/>
-              </a:ln>
-            </p:spPr>
-            <p:style>
-              <a:lnRef idx="2">
-                <a:schemeClr val="accent1">
-                  <a:shade val="50000"/>
-                </a:schemeClr>
-              </a:lnRef>
-              <a:fillRef idx="1">
-                <a:schemeClr val="accent1"/>
-              </a:fillRef>
-              <a:effectRef idx="0">
-                <a:schemeClr val="accent1"/>
-              </a:effectRef>
-              <a:fontRef idx="minor">
-                <a:schemeClr val="lt1"/>
-              </a:fontRef>
-            </p:style>
-            <p:txBody>
-              <a:bodyPr anchor="ctr"/>
-              <a:lstStyle/>
-              <a:p>
-                <a:pPr algn="ctr" eaLnBrk="1" fontAlgn="auto" latinLnBrk="1" hangingPunct="1">
-                  <a:spcBef>
-                    <a:spcPts val="0"/>
-                  </a:spcBef>
-                  <a:spcAft>
-                    <a:spcPts val="0"/>
-                  </a:spcAft>
-                  <a:defRPr/>
-                </a:pPr>
-                <a:endParaRPr lang="ko-KR" altLang="en-US" dirty="0">
-                  <a:solidFill>
-                    <a:schemeClr val="bg1"/>
-                  </a:solidFill>
-                </a:endParaRPr>
-              </a:p>
-            </p:txBody>
-          </p:sp>
-          <p:sp>
-            <p:nvSpPr>
-              <p:cNvPr id="88" name="타원 87">
-                <a:extLst>
-                  <a:ext uri="{FF2B5EF4-FFF2-40B4-BE49-F238E27FC236}">
-                    <a16:creationId xmlns:a16="http://schemas.microsoft.com/office/drawing/2014/main" id="{B49AF808-F4F8-45B9-8FEC-2F17E827CA18}"/>
-                  </a:ext>
-                </a:extLst>
-              </p:cNvPr>
-              <p:cNvSpPr/>
-              <p:nvPr/>
-            </p:nvSpPr>
-            <p:spPr>
-              <a:xfrm>
-                <a:off x="3852591" y="2060848"/>
-                <a:ext cx="503385" cy="504056"/>
-              </a:xfrm>
-              <a:prstGeom prst="ellipse">
-                <a:avLst/>
-              </a:prstGeom>
-              <a:solidFill>
-                <a:schemeClr val="bg1"/>
-              </a:solidFill>
-              <a:ln>
-                <a:noFill/>
-              </a:ln>
-            </p:spPr>
-            <p:style>
-              <a:lnRef idx="2">
-                <a:schemeClr val="accent1">
-                  <a:shade val="50000"/>
-                </a:schemeClr>
-              </a:lnRef>
-              <a:fillRef idx="1">
-                <a:schemeClr val="accent1"/>
-              </a:fillRef>
-              <a:effectRef idx="0">
-                <a:schemeClr val="accent1"/>
-              </a:effectRef>
-              <a:fontRef idx="minor">
-                <a:schemeClr val="lt1"/>
-              </a:fontRef>
-            </p:style>
-            <p:txBody>
-              <a:bodyPr anchor="ctr"/>
-              <a:lstStyle/>
-              <a:p>
-                <a:pPr algn="ctr" eaLnBrk="1" fontAlgn="auto" latinLnBrk="1" hangingPunct="1">
-                  <a:spcBef>
-                    <a:spcPts val="0"/>
-                  </a:spcBef>
-                  <a:spcAft>
-                    <a:spcPts val="0"/>
-                  </a:spcAft>
-                  <a:defRPr/>
-                </a:pPr>
-                <a:endParaRPr lang="ko-KR" altLang="en-US"/>
-              </a:p>
-            </p:txBody>
-          </p:sp>
-        </p:grpSp>
-        <p:sp>
-          <p:nvSpPr>
-            <p:cNvPr id="89" name="타원 88">
-              <a:extLst>
-                <a:ext uri="{FF2B5EF4-FFF2-40B4-BE49-F238E27FC236}">
-                  <a16:creationId xmlns:a16="http://schemas.microsoft.com/office/drawing/2014/main" id="{A7566C4D-F978-4C40-9EE2-0E6A8FD799F6}"/>
-                </a:ext>
-              </a:extLst>
-            </p:cNvPr>
-            <p:cNvSpPr/>
-            <p:nvPr/>
-          </p:nvSpPr>
-          <p:spPr>
-            <a:xfrm>
-              <a:off x="2699792" y="2852936"/>
-              <a:ext cx="503384" cy="504056"/>
-            </a:xfrm>
-            <a:prstGeom prst="ellipse">
-              <a:avLst/>
-            </a:prstGeom>
-            <a:solidFill>
-              <a:schemeClr val="bg1"/>
-            </a:solidFill>
-            <a:ln>
-              <a:noFill/>
-            </a:ln>
-          </p:spPr>
-          <p:style>
-            <a:lnRef idx="2">
-              <a:schemeClr val="accent1">
-                <a:shade val="50000"/>
-              </a:schemeClr>
-            </a:lnRef>
-            <a:fillRef idx="1">
-              <a:schemeClr val="accent1"/>
-            </a:fillRef>
-            <a:effectRef idx="0">
-              <a:schemeClr val="accent1"/>
-            </a:effectRef>
-            <a:fontRef idx="minor">
-              <a:schemeClr val="lt1"/>
-            </a:fontRef>
-          </p:style>
-          <p:txBody>
-            <a:bodyPr anchor="ctr"/>
-            <a:lstStyle/>
-            <a:p>
-              <a:pPr algn="ctr" eaLnBrk="1" fontAlgn="auto" latinLnBrk="1" hangingPunct="1">
-                <a:spcBef>
-                  <a:spcPts val="0"/>
-                </a:spcBef>
-                <a:spcAft>
-                  <a:spcPts val="0"/>
-                </a:spcAft>
-                <a:defRPr/>
-              </a:pPr>
-              <a:endParaRPr lang="ko-KR" altLang="en-US"/>
-            </a:p>
-          </p:txBody>
-        </p:sp>
-      </p:grpSp>
-      <p:sp>
-        <p:nvSpPr>
-          <p:cNvPr id="85" name="TextBox 84">
-            <a:extLst>
-              <a:ext uri="{FF2B5EF4-FFF2-40B4-BE49-F238E27FC236}">
-                <a16:creationId xmlns:a16="http://schemas.microsoft.com/office/drawing/2014/main" id="{75BFB072-23E4-4AC4-9ADB-78DB859136AD}"/>
-              </a:ext>
-            </a:extLst>
-          </p:cNvPr>
-          <p:cNvSpPr txBox="1"/>
-          <p:nvPr/>
-        </p:nvSpPr>
-        <p:spPr>
-          <a:xfrm>
-            <a:off x="2987675" y="2822575"/>
-            <a:ext cx="3168650" cy="461963"/>
-          </a:xfrm>
-          <a:prstGeom prst="rect">
-            <a:avLst/>
-          </a:prstGeom>
-          <a:noFill/>
-        </p:spPr>
-        <p:txBody>
-          <a:bodyPr>
-            <a:spAutoFit/>
-          </a:bodyPr>
-          <a:lstStyle/>
-          <a:p>
-            <a:pPr algn="ctr" eaLnBrk="1" fontAlgn="auto" latinLnBrk="1" hangingPunct="1">
-              <a:spcBef>
-                <a:spcPts val="0"/>
-              </a:spcBef>
-              <a:spcAft>
-                <a:spcPts val="0"/>
-              </a:spcAft>
-              <a:defRPr/>
-            </a:pPr>
-            <a:r>
-              <a:rPr lang="en-US" altLang="ko-KR" sz="2400" b="1" spc="-150" dirty="0">
-                <a:solidFill>
-                  <a:schemeClr val="tx2"/>
-                </a:solidFill>
-                <a:latin typeface="+mn-lt"/>
-                <a:ea typeface="+mn-ea"/>
-              </a:rPr>
-              <a:t>THANK YOU</a:t>
-            </a:r>
-            <a:endParaRPr lang="ko-KR" altLang="en-US" sz="2400" b="1" spc="-150" dirty="0">
-              <a:solidFill>
-                <a:schemeClr val="tx2"/>
-              </a:solidFill>
-              <a:latin typeface="+mn-lt"/>
-              <a:ea typeface="+mn-ea"/>
-            </a:endParaRPr>
-          </a:p>
-        </p:txBody>
-      </p:sp>
-    </p:spTree>
   </p:cSld>
   <p:clrMapOvr>
     <a:masterClrMapping/>
